--- a/PPT/Class period 18.pptx
+++ b/PPT/Class period 18.pptx
@@ -209,9 +209,9 @@
             </a:lvl1pPr>
           </a:lstStyle>
           <a:p>
-            <a:fld id="{4099920E-371B-4493-AEF7-62BBB951D7DE}" type="datetimeFigureOut">
+            <a:fld id="{3A723A71-17A9-48F4-BDB9-92857604A8BC}" type="datetimeFigureOut">
               <a:rPr lang="en-US" smtClean="0"/>
-              <a:t>4/20/2024</a:t>
+              <a:t>5/15/2024</a:t>
             </a:fld>
             <a:endParaRPr lang="en-US"/>
           </a:p>
@@ -367,7 +367,7 @@
             </a:lvl1pPr>
           </a:lstStyle>
           <a:p>
-            <a:fld id="{88A79A76-A942-4B85-A1E0-C7A386E1BFD5}" type="slidenum">
+            <a:fld id="{E5F8298B-F53E-47D7-8C09-429A4B887288}" type="slidenum">
               <a:rPr lang="en-US" smtClean="0"/>
               <a:t>‹#›</a:t>
             </a:fld>
@@ -378,7 +378,7 @@
     </p:spTree>
     <p:extLst>
       <p:ext uri="{BB962C8B-B14F-4D97-AF65-F5344CB8AC3E}">
-        <p14:creationId xmlns:p14="http://schemas.microsoft.com/office/powerpoint/2010/main" val="2777558668"/>
+        <p14:creationId xmlns:p14="http://schemas.microsoft.com/office/powerpoint/2010/main" val="3163358383"/>
       </p:ext>
     </p:extLst>
   </p:cSld>
@@ -668,7 +668,7 @@
           <p:cNvPr id="2" name="Title 1">
             <a:extLst>
               <a:ext uri="{FF2B5EF4-FFF2-40B4-BE49-F238E27FC236}">
-                <a16:creationId xmlns:a16="http://schemas.microsoft.com/office/drawing/2014/main" id="{226314EE-A223-85FE-116B-BDD252C514A1}"/>
+                <a16:creationId xmlns:a16="http://schemas.microsoft.com/office/drawing/2014/main" id="{87EB4B53-9195-363E-2F15-E85A68347B34}"/>
               </a:ext>
             </a:extLst>
           </p:cNvPr>
@@ -705,7 +705,7 @@
           <p:cNvPr id="3" name="Subtitle 2">
             <a:extLst>
               <a:ext uri="{FF2B5EF4-FFF2-40B4-BE49-F238E27FC236}">
-                <a16:creationId xmlns:a16="http://schemas.microsoft.com/office/drawing/2014/main" id="{4764DD0F-C788-4065-B4A2-66CAD04C6915}"/>
+                <a16:creationId xmlns:a16="http://schemas.microsoft.com/office/drawing/2014/main" id="{0BDB5456-375D-7D43-80E1-DC80387D8162}"/>
               </a:ext>
             </a:extLst>
           </p:cNvPr>
@@ -775,7 +775,7 @@
           <p:cNvPr id="4" name="Date Placeholder 3">
             <a:extLst>
               <a:ext uri="{FF2B5EF4-FFF2-40B4-BE49-F238E27FC236}">
-                <a16:creationId xmlns:a16="http://schemas.microsoft.com/office/drawing/2014/main" id="{2F6F317E-6615-3EA3-5053-BAB93722AF1E}"/>
+                <a16:creationId xmlns:a16="http://schemas.microsoft.com/office/drawing/2014/main" id="{E2EB4A01-E799-5844-4DAC-6AF1A557E561}"/>
               </a:ext>
             </a:extLst>
           </p:cNvPr>
@@ -791,9 +791,9 @@
           <a:bodyPr/>
           <a:lstStyle/>
           <a:p>
-            <a:fld id="{8BACA5CF-A5E4-41FF-8826-A97048D1C9A7}" type="datetimeFigureOut">
+            <a:fld id="{BB419361-5D31-4DEF-AA75-2A90FC25147A}" type="datetimeFigureOut">
               <a:rPr lang="en-US" smtClean="0"/>
-              <a:t>4/20/2024</a:t>
+              <a:t>5/15/2024</a:t>
             </a:fld>
             <a:endParaRPr lang="en-US"/>
           </a:p>
@@ -804,7 +804,7 @@
           <p:cNvPr id="5" name="Footer Placeholder 4">
             <a:extLst>
               <a:ext uri="{FF2B5EF4-FFF2-40B4-BE49-F238E27FC236}">
-                <a16:creationId xmlns:a16="http://schemas.microsoft.com/office/drawing/2014/main" id="{ED9FE2EC-AB63-BE7C-C736-F90D375FF930}"/>
+                <a16:creationId xmlns:a16="http://schemas.microsoft.com/office/drawing/2014/main" id="{E4D54A03-E322-E1F5-9FA8-B35DE92A75B6}"/>
               </a:ext>
             </a:extLst>
           </p:cNvPr>
@@ -829,7 +829,7 @@
           <p:cNvPr id="6" name="Slide Number Placeholder 5">
             <a:extLst>
               <a:ext uri="{FF2B5EF4-FFF2-40B4-BE49-F238E27FC236}">
-                <a16:creationId xmlns:a16="http://schemas.microsoft.com/office/drawing/2014/main" id="{3467736D-EB3B-CD2B-B322-C6D10B6706D7}"/>
+                <a16:creationId xmlns:a16="http://schemas.microsoft.com/office/drawing/2014/main" id="{6E939748-5C8B-3855-A52C-7BBCC472A2FD}"/>
               </a:ext>
             </a:extLst>
           </p:cNvPr>
@@ -845,7 +845,7 @@
           <a:bodyPr/>
           <a:lstStyle/>
           <a:p>
-            <a:fld id="{52569608-9DF8-499D-BE14-8F0BC722901C}" type="slidenum">
+            <a:fld id="{68D1A312-76AF-402F-BB56-6F3548F05B92}" type="slidenum">
               <a:rPr lang="en-US" smtClean="0"/>
               <a:t>‹#›</a:t>
             </a:fld>
@@ -856,7 +856,7 @@
     </p:spTree>
     <p:extLst>
       <p:ext uri="{BB962C8B-B14F-4D97-AF65-F5344CB8AC3E}">
-        <p14:creationId xmlns:p14="http://schemas.microsoft.com/office/powerpoint/2010/main" val="1124238995"/>
+        <p14:creationId xmlns:p14="http://schemas.microsoft.com/office/powerpoint/2010/main" val="494443562"/>
       </p:ext>
     </p:extLst>
   </p:cSld>
@@ -888,7 +888,7 @@
           <p:cNvPr id="2" name="Title 1">
             <a:extLst>
               <a:ext uri="{FF2B5EF4-FFF2-40B4-BE49-F238E27FC236}">
-                <a16:creationId xmlns:a16="http://schemas.microsoft.com/office/drawing/2014/main" id="{9F69E6C6-D57A-F1E6-F4CF-28B51FE2F4EB}"/>
+                <a16:creationId xmlns:a16="http://schemas.microsoft.com/office/drawing/2014/main" id="{E4CE2AFF-A715-593E-9199-72D7C79C2FB2}"/>
               </a:ext>
             </a:extLst>
           </p:cNvPr>
@@ -916,7 +916,7 @@
           <p:cNvPr id="3" name="Vertical Text Placeholder 2">
             <a:extLst>
               <a:ext uri="{FF2B5EF4-FFF2-40B4-BE49-F238E27FC236}">
-                <a16:creationId xmlns:a16="http://schemas.microsoft.com/office/drawing/2014/main" id="{2E6C8B1F-4B85-8890-DE34-98D99BBA44AA}"/>
+                <a16:creationId xmlns:a16="http://schemas.microsoft.com/office/drawing/2014/main" id="{C0D8E763-F3A9-A387-45A9-48CB45E65F6E}"/>
               </a:ext>
             </a:extLst>
           </p:cNvPr>
@@ -973,7 +973,7 @@
           <p:cNvPr id="4" name="Date Placeholder 3">
             <a:extLst>
               <a:ext uri="{FF2B5EF4-FFF2-40B4-BE49-F238E27FC236}">
-                <a16:creationId xmlns:a16="http://schemas.microsoft.com/office/drawing/2014/main" id="{3EF96DE0-D071-0B2E-71FA-784D5B78D9A6}"/>
+                <a16:creationId xmlns:a16="http://schemas.microsoft.com/office/drawing/2014/main" id="{A5F9F01F-F7F8-D522-486B-C170E51D1770}"/>
               </a:ext>
             </a:extLst>
           </p:cNvPr>
@@ -989,9 +989,9 @@
           <a:bodyPr/>
           <a:lstStyle/>
           <a:p>
-            <a:fld id="{8BACA5CF-A5E4-41FF-8826-A97048D1C9A7}" type="datetimeFigureOut">
+            <a:fld id="{BB419361-5D31-4DEF-AA75-2A90FC25147A}" type="datetimeFigureOut">
               <a:rPr lang="en-US" smtClean="0"/>
-              <a:t>4/20/2024</a:t>
+              <a:t>5/15/2024</a:t>
             </a:fld>
             <a:endParaRPr lang="en-US"/>
           </a:p>
@@ -1002,7 +1002,7 @@
           <p:cNvPr id="5" name="Footer Placeholder 4">
             <a:extLst>
               <a:ext uri="{FF2B5EF4-FFF2-40B4-BE49-F238E27FC236}">
-                <a16:creationId xmlns:a16="http://schemas.microsoft.com/office/drawing/2014/main" id="{8A4EB7DC-7E55-58FA-7AEE-DCA4FECDC79C}"/>
+                <a16:creationId xmlns:a16="http://schemas.microsoft.com/office/drawing/2014/main" id="{A53AB334-0329-1E75-30FD-77FD80692015}"/>
               </a:ext>
             </a:extLst>
           </p:cNvPr>
@@ -1027,7 +1027,7 @@
           <p:cNvPr id="6" name="Slide Number Placeholder 5">
             <a:extLst>
               <a:ext uri="{FF2B5EF4-FFF2-40B4-BE49-F238E27FC236}">
-                <a16:creationId xmlns:a16="http://schemas.microsoft.com/office/drawing/2014/main" id="{890619A8-5974-2ECC-1C92-E6D40C4F550C}"/>
+                <a16:creationId xmlns:a16="http://schemas.microsoft.com/office/drawing/2014/main" id="{B7A80991-6D21-8EFB-B19E-3CB17F9E22A8}"/>
               </a:ext>
             </a:extLst>
           </p:cNvPr>
@@ -1043,7 +1043,7 @@
           <a:bodyPr/>
           <a:lstStyle/>
           <a:p>
-            <a:fld id="{52569608-9DF8-499D-BE14-8F0BC722901C}" type="slidenum">
+            <a:fld id="{68D1A312-76AF-402F-BB56-6F3548F05B92}" type="slidenum">
               <a:rPr lang="en-US" smtClean="0"/>
               <a:t>‹#›</a:t>
             </a:fld>
@@ -1054,7 +1054,7 @@
     </p:spTree>
     <p:extLst>
       <p:ext uri="{BB962C8B-B14F-4D97-AF65-F5344CB8AC3E}">
-        <p14:creationId xmlns:p14="http://schemas.microsoft.com/office/powerpoint/2010/main" val="3608098965"/>
+        <p14:creationId xmlns:p14="http://schemas.microsoft.com/office/powerpoint/2010/main" val="3382838141"/>
       </p:ext>
     </p:extLst>
   </p:cSld>
@@ -1086,7 +1086,7 @@
           <p:cNvPr id="2" name="Vertical Title 1">
             <a:extLst>
               <a:ext uri="{FF2B5EF4-FFF2-40B4-BE49-F238E27FC236}">
-                <a16:creationId xmlns:a16="http://schemas.microsoft.com/office/drawing/2014/main" id="{9D5B60F1-6B07-B69B-0DD1-F5848EB9F162}"/>
+                <a16:creationId xmlns:a16="http://schemas.microsoft.com/office/drawing/2014/main" id="{CF3D9A7C-4D44-FC59-2866-926BF6D66630}"/>
               </a:ext>
             </a:extLst>
           </p:cNvPr>
@@ -1119,7 +1119,7 @@
           <p:cNvPr id="3" name="Vertical Text Placeholder 2">
             <a:extLst>
               <a:ext uri="{FF2B5EF4-FFF2-40B4-BE49-F238E27FC236}">
-                <a16:creationId xmlns:a16="http://schemas.microsoft.com/office/drawing/2014/main" id="{697178A5-8A13-7EA2-A5A0-095E73EA8969}"/>
+                <a16:creationId xmlns:a16="http://schemas.microsoft.com/office/drawing/2014/main" id="{0C1E568B-8EE4-513B-4EB5-A3A4AE093EBD}"/>
               </a:ext>
             </a:extLst>
           </p:cNvPr>
@@ -1181,7 +1181,7 @@
           <p:cNvPr id="4" name="Date Placeholder 3">
             <a:extLst>
               <a:ext uri="{FF2B5EF4-FFF2-40B4-BE49-F238E27FC236}">
-                <a16:creationId xmlns:a16="http://schemas.microsoft.com/office/drawing/2014/main" id="{A0EA5C5A-476E-C3A0-3ABA-0F6AF22EAFCA}"/>
+                <a16:creationId xmlns:a16="http://schemas.microsoft.com/office/drawing/2014/main" id="{F9D3D2EA-3821-A2AD-C503-E01CB344DFD7}"/>
               </a:ext>
             </a:extLst>
           </p:cNvPr>
@@ -1197,9 +1197,9 @@
           <a:bodyPr/>
           <a:lstStyle/>
           <a:p>
-            <a:fld id="{8BACA5CF-A5E4-41FF-8826-A97048D1C9A7}" type="datetimeFigureOut">
+            <a:fld id="{BB419361-5D31-4DEF-AA75-2A90FC25147A}" type="datetimeFigureOut">
               <a:rPr lang="en-US" smtClean="0"/>
-              <a:t>4/20/2024</a:t>
+              <a:t>5/15/2024</a:t>
             </a:fld>
             <a:endParaRPr lang="en-US"/>
           </a:p>
@@ -1210,7 +1210,7 @@
           <p:cNvPr id="5" name="Footer Placeholder 4">
             <a:extLst>
               <a:ext uri="{FF2B5EF4-FFF2-40B4-BE49-F238E27FC236}">
-                <a16:creationId xmlns:a16="http://schemas.microsoft.com/office/drawing/2014/main" id="{08C9D3FC-761E-72EF-16EC-6E411B1C38A4}"/>
+                <a16:creationId xmlns:a16="http://schemas.microsoft.com/office/drawing/2014/main" id="{0D91D994-35F5-125E-319D-0FE07BB02F87}"/>
               </a:ext>
             </a:extLst>
           </p:cNvPr>
@@ -1235,7 +1235,7 @@
           <p:cNvPr id="6" name="Slide Number Placeholder 5">
             <a:extLst>
               <a:ext uri="{FF2B5EF4-FFF2-40B4-BE49-F238E27FC236}">
-                <a16:creationId xmlns:a16="http://schemas.microsoft.com/office/drawing/2014/main" id="{F0815A53-9716-C03C-6CA6-D180C92BE064}"/>
+                <a16:creationId xmlns:a16="http://schemas.microsoft.com/office/drawing/2014/main" id="{93D2F76B-5E44-F045-4894-47285CA1163B}"/>
               </a:ext>
             </a:extLst>
           </p:cNvPr>
@@ -1251,7 +1251,7 @@
           <a:bodyPr/>
           <a:lstStyle/>
           <a:p>
-            <a:fld id="{52569608-9DF8-499D-BE14-8F0BC722901C}" type="slidenum">
+            <a:fld id="{68D1A312-76AF-402F-BB56-6F3548F05B92}" type="slidenum">
               <a:rPr lang="en-US" smtClean="0"/>
               <a:t>‹#›</a:t>
             </a:fld>
@@ -1262,7 +1262,7 @@
     </p:spTree>
     <p:extLst>
       <p:ext uri="{BB962C8B-B14F-4D97-AF65-F5344CB8AC3E}">
-        <p14:creationId xmlns:p14="http://schemas.microsoft.com/office/powerpoint/2010/main" val="1656812278"/>
+        <p14:creationId xmlns:p14="http://schemas.microsoft.com/office/powerpoint/2010/main" val="975329182"/>
       </p:ext>
     </p:extLst>
   </p:cSld>
@@ -1294,7 +1294,7 @@
           <p:cNvPr id="2" name="Title 1">
             <a:extLst>
               <a:ext uri="{FF2B5EF4-FFF2-40B4-BE49-F238E27FC236}">
-                <a16:creationId xmlns:a16="http://schemas.microsoft.com/office/drawing/2014/main" id="{C2FD29BD-5FC1-D5C9-B73A-0603EAC72DF7}"/>
+                <a16:creationId xmlns:a16="http://schemas.microsoft.com/office/drawing/2014/main" id="{21CA333F-9BA6-424A-F7AE-C462DE8ED9CC}"/>
               </a:ext>
             </a:extLst>
           </p:cNvPr>
@@ -1322,7 +1322,7 @@
           <p:cNvPr id="3" name="Content Placeholder 2">
             <a:extLst>
               <a:ext uri="{FF2B5EF4-FFF2-40B4-BE49-F238E27FC236}">
-                <a16:creationId xmlns:a16="http://schemas.microsoft.com/office/drawing/2014/main" id="{CF56A4FB-3F21-5193-D72B-84014E0A17CA}"/>
+                <a16:creationId xmlns:a16="http://schemas.microsoft.com/office/drawing/2014/main" id="{589A4556-952E-64DB-1624-DDCF74C58E5A}"/>
               </a:ext>
             </a:extLst>
           </p:cNvPr>
@@ -1379,7 +1379,7 @@
           <p:cNvPr id="4" name="Date Placeholder 3">
             <a:extLst>
               <a:ext uri="{FF2B5EF4-FFF2-40B4-BE49-F238E27FC236}">
-                <a16:creationId xmlns:a16="http://schemas.microsoft.com/office/drawing/2014/main" id="{0E5B2DEE-BC94-1F1A-1CA0-6749C5BBAA45}"/>
+                <a16:creationId xmlns:a16="http://schemas.microsoft.com/office/drawing/2014/main" id="{C085CC48-5A6E-8A63-5AAE-9F06A0476A16}"/>
               </a:ext>
             </a:extLst>
           </p:cNvPr>
@@ -1395,9 +1395,9 @@
           <a:bodyPr/>
           <a:lstStyle/>
           <a:p>
-            <a:fld id="{8BACA5CF-A5E4-41FF-8826-A97048D1C9A7}" type="datetimeFigureOut">
+            <a:fld id="{BB419361-5D31-4DEF-AA75-2A90FC25147A}" type="datetimeFigureOut">
               <a:rPr lang="en-US" smtClean="0"/>
-              <a:t>4/20/2024</a:t>
+              <a:t>5/15/2024</a:t>
             </a:fld>
             <a:endParaRPr lang="en-US"/>
           </a:p>
@@ -1408,7 +1408,7 @@
           <p:cNvPr id="5" name="Footer Placeholder 4">
             <a:extLst>
               <a:ext uri="{FF2B5EF4-FFF2-40B4-BE49-F238E27FC236}">
-                <a16:creationId xmlns:a16="http://schemas.microsoft.com/office/drawing/2014/main" id="{B8EC25C8-1BB4-6626-B5B6-2883B624174F}"/>
+                <a16:creationId xmlns:a16="http://schemas.microsoft.com/office/drawing/2014/main" id="{22539615-749B-C6D3-CACA-7C76898DA92A}"/>
               </a:ext>
             </a:extLst>
           </p:cNvPr>
@@ -1433,7 +1433,7 @@
           <p:cNvPr id="6" name="Slide Number Placeholder 5">
             <a:extLst>
               <a:ext uri="{FF2B5EF4-FFF2-40B4-BE49-F238E27FC236}">
-                <a16:creationId xmlns:a16="http://schemas.microsoft.com/office/drawing/2014/main" id="{408D6B1E-A4A4-BC84-C4C0-48FEE2F725C4}"/>
+                <a16:creationId xmlns:a16="http://schemas.microsoft.com/office/drawing/2014/main" id="{37830418-A52F-AF9D-E8CC-C8F2627B0977}"/>
               </a:ext>
             </a:extLst>
           </p:cNvPr>
@@ -1449,7 +1449,7 @@
           <a:bodyPr/>
           <a:lstStyle/>
           <a:p>
-            <a:fld id="{52569608-9DF8-499D-BE14-8F0BC722901C}" type="slidenum">
+            <a:fld id="{68D1A312-76AF-402F-BB56-6F3548F05B92}" type="slidenum">
               <a:rPr lang="en-US" smtClean="0"/>
               <a:t>‹#›</a:t>
             </a:fld>
@@ -1460,7 +1460,7 @@
     </p:spTree>
     <p:extLst>
       <p:ext uri="{BB962C8B-B14F-4D97-AF65-F5344CB8AC3E}">
-        <p14:creationId xmlns:p14="http://schemas.microsoft.com/office/powerpoint/2010/main" val="108098320"/>
+        <p14:creationId xmlns:p14="http://schemas.microsoft.com/office/powerpoint/2010/main" val="400634135"/>
       </p:ext>
     </p:extLst>
   </p:cSld>
@@ -1492,7 +1492,7 @@
           <p:cNvPr id="2" name="Title 1">
             <a:extLst>
               <a:ext uri="{FF2B5EF4-FFF2-40B4-BE49-F238E27FC236}">
-                <a16:creationId xmlns:a16="http://schemas.microsoft.com/office/drawing/2014/main" id="{945EC92A-82AE-A992-37A2-C362BD9B6C4C}"/>
+                <a16:creationId xmlns:a16="http://schemas.microsoft.com/office/drawing/2014/main" id="{73C15755-FACC-B2C8-1A71-3673595272A8}"/>
               </a:ext>
             </a:extLst>
           </p:cNvPr>
@@ -1529,7 +1529,7 @@
           <p:cNvPr id="3" name="Text Placeholder 2">
             <a:extLst>
               <a:ext uri="{FF2B5EF4-FFF2-40B4-BE49-F238E27FC236}">
-                <a16:creationId xmlns:a16="http://schemas.microsoft.com/office/drawing/2014/main" id="{8637E240-2D97-0225-FB74-E4F1572C7A9E}"/>
+                <a16:creationId xmlns:a16="http://schemas.microsoft.com/office/drawing/2014/main" id="{E70EA4C8-490C-41FD-073C-3B201FB0FAEB}"/>
               </a:ext>
             </a:extLst>
           </p:cNvPr>
@@ -1654,7 +1654,7 @@
           <p:cNvPr id="4" name="Date Placeholder 3">
             <a:extLst>
               <a:ext uri="{FF2B5EF4-FFF2-40B4-BE49-F238E27FC236}">
-                <a16:creationId xmlns:a16="http://schemas.microsoft.com/office/drawing/2014/main" id="{914011C5-93DB-C7B1-3CBF-39604EE9DC84}"/>
+                <a16:creationId xmlns:a16="http://schemas.microsoft.com/office/drawing/2014/main" id="{6C64746B-8EA0-603D-914B-28F9887B4FA6}"/>
               </a:ext>
             </a:extLst>
           </p:cNvPr>
@@ -1670,9 +1670,9 @@
           <a:bodyPr/>
           <a:lstStyle/>
           <a:p>
-            <a:fld id="{8BACA5CF-A5E4-41FF-8826-A97048D1C9A7}" type="datetimeFigureOut">
+            <a:fld id="{BB419361-5D31-4DEF-AA75-2A90FC25147A}" type="datetimeFigureOut">
               <a:rPr lang="en-US" smtClean="0"/>
-              <a:t>4/20/2024</a:t>
+              <a:t>5/15/2024</a:t>
             </a:fld>
             <a:endParaRPr lang="en-US"/>
           </a:p>
@@ -1683,7 +1683,7 @@
           <p:cNvPr id="5" name="Footer Placeholder 4">
             <a:extLst>
               <a:ext uri="{FF2B5EF4-FFF2-40B4-BE49-F238E27FC236}">
-                <a16:creationId xmlns:a16="http://schemas.microsoft.com/office/drawing/2014/main" id="{8EE799CF-BA8D-6D2D-5F67-6D248D5603F0}"/>
+                <a16:creationId xmlns:a16="http://schemas.microsoft.com/office/drawing/2014/main" id="{9A10E7DE-F595-3DEF-2C13-D9EE188BF62E}"/>
               </a:ext>
             </a:extLst>
           </p:cNvPr>
@@ -1708,7 +1708,7 @@
           <p:cNvPr id="6" name="Slide Number Placeholder 5">
             <a:extLst>
               <a:ext uri="{FF2B5EF4-FFF2-40B4-BE49-F238E27FC236}">
-                <a16:creationId xmlns:a16="http://schemas.microsoft.com/office/drawing/2014/main" id="{9EA0E592-759E-FF26-BF78-E04FC0162906}"/>
+                <a16:creationId xmlns:a16="http://schemas.microsoft.com/office/drawing/2014/main" id="{5C1CC835-243D-FCDE-BDE2-359322B833FF}"/>
               </a:ext>
             </a:extLst>
           </p:cNvPr>
@@ -1724,7 +1724,7 @@
           <a:bodyPr/>
           <a:lstStyle/>
           <a:p>
-            <a:fld id="{52569608-9DF8-499D-BE14-8F0BC722901C}" type="slidenum">
+            <a:fld id="{68D1A312-76AF-402F-BB56-6F3548F05B92}" type="slidenum">
               <a:rPr lang="en-US" smtClean="0"/>
               <a:t>‹#›</a:t>
             </a:fld>
@@ -1735,7 +1735,7 @@
     </p:spTree>
     <p:extLst>
       <p:ext uri="{BB962C8B-B14F-4D97-AF65-F5344CB8AC3E}">
-        <p14:creationId xmlns:p14="http://schemas.microsoft.com/office/powerpoint/2010/main" val="546952149"/>
+        <p14:creationId xmlns:p14="http://schemas.microsoft.com/office/powerpoint/2010/main" val="772532510"/>
       </p:ext>
     </p:extLst>
   </p:cSld>
@@ -1767,7 +1767,7 @@
           <p:cNvPr id="2" name="Title 1">
             <a:extLst>
               <a:ext uri="{FF2B5EF4-FFF2-40B4-BE49-F238E27FC236}">
-                <a16:creationId xmlns:a16="http://schemas.microsoft.com/office/drawing/2014/main" id="{35489D86-EECB-3B18-85B9-B18D626C89CF}"/>
+                <a16:creationId xmlns:a16="http://schemas.microsoft.com/office/drawing/2014/main" id="{023D06C1-EF9F-EC19-8B5A-B36C3D2C52A4}"/>
               </a:ext>
             </a:extLst>
           </p:cNvPr>
@@ -1795,7 +1795,7 @@
           <p:cNvPr id="3" name="Content Placeholder 2">
             <a:extLst>
               <a:ext uri="{FF2B5EF4-FFF2-40B4-BE49-F238E27FC236}">
-                <a16:creationId xmlns:a16="http://schemas.microsoft.com/office/drawing/2014/main" id="{FC54A84D-3DEC-A173-7EA7-E247F795D396}"/>
+                <a16:creationId xmlns:a16="http://schemas.microsoft.com/office/drawing/2014/main" id="{12196A8B-8727-368F-C363-3A125C4342F5}"/>
               </a:ext>
             </a:extLst>
           </p:cNvPr>
@@ -1857,7 +1857,7 @@
           <p:cNvPr id="4" name="Content Placeholder 3">
             <a:extLst>
               <a:ext uri="{FF2B5EF4-FFF2-40B4-BE49-F238E27FC236}">
-                <a16:creationId xmlns:a16="http://schemas.microsoft.com/office/drawing/2014/main" id="{5747B67E-102F-917F-0976-ED7B3C8C27DD}"/>
+                <a16:creationId xmlns:a16="http://schemas.microsoft.com/office/drawing/2014/main" id="{BA830398-873B-DDE4-381A-21E27DC3EC5A}"/>
               </a:ext>
             </a:extLst>
           </p:cNvPr>
@@ -1919,7 +1919,7 @@
           <p:cNvPr id="5" name="Date Placeholder 4">
             <a:extLst>
               <a:ext uri="{FF2B5EF4-FFF2-40B4-BE49-F238E27FC236}">
-                <a16:creationId xmlns:a16="http://schemas.microsoft.com/office/drawing/2014/main" id="{E70CCD1E-5A60-05FD-AEF5-574889880E20}"/>
+                <a16:creationId xmlns:a16="http://schemas.microsoft.com/office/drawing/2014/main" id="{ACFB3A25-D644-5F2A-F88D-BCEE90998862}"/>
               </a:ext>
             </a:extLst>
           </p:cNvPr>
@@ -1935,9 +1935,9 @@
           <a:bodyPr/>
           <a:lstStyle/>
           <a:p>
-            <a:fld id="{8BACA5CF-A5E4-41FF-8826-A97048D1C9A7}" type="datetimeFigureOut">
+            <a:fld id="{BB419361-5D31-4DEF-AA75-2A90FC25147A}" type="datetimeFigureOut">
               <a:rPr lang="en-US" smtClean="0"/>
-              <a:t>4/20/2024</a:t>
+              <a:t>5/15/2024</a:t>
             </a:fld>
             <a:endParaRPr lang="en-US"/>
           </a:p>
@@ -1948,7 +1948,7 @@
           <p:cNvPr id="6" name="Footer Placeholder 5">
             <a:extLst>
               <a:ext uri="{FF2B5EF4-FFF2-40B4-BE49-F238E27FC236}">
-                <a16:creationId xmlns:a16="http://schemas.microsoft.com/office/drawing/2014/main" id="{D5B9DDB0-D2F9-17F1-6A0A-AD262E7A49CC}"/>
+                <a16:creationId xmlns:a16="http://schemas.microsoft.com/office/drawing/2014/main" id="{797D300B-7CE9-5A41-97B2-107D0DFA6283}"/>
               </a:ext>
             </a:extLst>
           </p:cNvPr>
@@ -1973,7 +1973,7 @@
           <p:cNvPr id="7" name="Slide Number Placeholder 6">
             <a:extLst>
               <a:ext uri="{FF2B5EF4-FFF2-40B4-BE49-F238E27FC236}">
-                <a16:creationId xmlns:a16="http://schemas.microsoft.com/office/drawing/2014/main" id="{6006F352-8B1C-792D-7512-7E356618409B}"/>
+                <a16:creationId xmlns:a16="http://schemas.microsoft.com/office/drawing/2014/main" id="{17A9EDA5-93DE-1C64-73A3-9DA7B68E98A4}"/>
               </a:ext>
             </a:extLst>
           </p:cNvPr>
@@ -1989,7 +1989,7 @@
           <a:bodyPr/>
           <a:lstStyle/>
           <a:p>
-            <a:fld id="{52569608-9DF8-499D-BE14-8F0BC722901C}" type="slidenum">
+            <a:fld id="{68D1A312-76AF-402F-BB56-6F3548F05B92}" type="slidenum">
               <a:rPr lang="en-US" smtClean="0"/>
               <a:t>‹#›</a:t>
             </a:fld>
@@ -2000,7 +2000,7 @@
     </p:spTree>
     <p:extLst>
       <p:ext uri="{BB962C8B-B14F-4D97-AF65-F5344CB8AC3E}">
-        <p14:creationId xmlns:p14="http://schemas.microsoft.com/office/powerpoint/2010/main" val="1458732401"/>
+        <p14:creationId xmlns:p14="http://schemas.microsoft.com/office/powerpoint/2010/main" val="1513579171"/>
       </p:ext>
     </p:extLst>
   </p:cSld>
@@ -2032,7 +2032,7 @@
           <p:cNvPr id="2" name="Title 1">
             <a:extLst>
               <a:ext uri="{FF2B5EF4-FFF2-40B4-BE49-F238E27FC236}">
-                <a16:creationId xmlns:a16="http://schemas.microsoft.com/office/drawing/2014/main" id="{700F8594-FF11-4B3B-0556-5CBB677C6CA7}"/>
+                <a16:creationId xmlns:a16="http://schemas.microsoft.com/office/drawing/2014/main" id="{BA49F12B-EC9A-7F2A-420F-23C94F7A8039}"/>
               </a:ext>
             </a:extLst>
           </p:cNvPr>
@@ -2065,7 +2065,7 @@
           <p:cNvPr id="3" name="Text Placeholder 2">
             <a:extLst>
               <a:ext uri="{FF2B5EF4-FFF2-40B4-BE49-F238E27FC236}">
-                <a16:creationId xmlns:a16="http://schemas.microsoft.com/office/drawing/2014/main" id="{3027CF60-8133-7CF8-69F0-EADBDBBF66C8}"/>
+                <a16:creationId xmlns:a16="http://schemas.microsoft.com/office/drawing/2014/main" id="{0032BE0F-2C85-8C86-2D06-5F9D951597A5}"/>
               </a:ext>
             </a:extLst>
           </p:cNvPr>
@@ -2136,7 +2136,7 @@
           <p:cNvPr id="4" name="Content Placeholder 3">
             <a:extLst>
               <a:ext uri="{FF2B5EF4-FFF2-40B4-BE49-F238E27FC236}">
-                <a16:creationId xmlns:a16="http://schemas.microsoft.com/office/drawing/2014/main" id="{CABA17D0-46EA-BF32-441A-EA809678ED02}"/>
+                <a16:creationId xmlns:a16="http://schemas.microsoft.com/office/drawing/2014/main" id="{C41A8760-9795-7876-DC25-3EB19F091BF1}"/>
               </a:ext>
             </a:extLst>
           </p:cNvPr>
@@ -2198,7 +2198,7 @@
           <p:cNvPr id="5" name="Text Placeholder 4">
             <a:extLst>
               <a:ext uri="{FF2B5EF4-FFF2-40B4-BE49-F238E27FC236}">
-                <a16:creationId xmlns:a16="http://schemas.microsoft.com/office/drawing/2014/main" id="{F3A60CE2-20F6-7845-495D-379DF769D97D}"/>
+                <a16:creationId xmlns:a16="http://schemas.microsoft.com/office/drawing/2014/main" id="{82B5AB6C-126C-E37D-0CB2-3F7E298C4D83}"/>
               </a:ext>
             </a:extLst>
           </p:cNvPr>
@@ -2269,7 +2269,7 @@
           <p:cNvPr id="6" name="Content Placeholder 5">
             <a:extLst>
               <a:ext uri="{FF2B5EF4-FFF2-40B4-BE49-F238E27FC236}">
-                <a16:creationId xmlns:a16="http://schemas.microsoft.com/office/drawing/2014/main" id="{E1CAA576-F6D7-20F0-BED6-078424C80CC1}"/>
+                <a16:creationId xmlns:a16="http://schemas.microsoft.com/office/drawing/2014/main" id="{A49934E4-DD0A-EE3A-0D8D-01BAA25BD853}"/>
               </a:ext>
             </a:extLst>
           </p:cNvPr>
@@ -2331,7 +2331,7 @@
           <p:cNvPr id="7" name="Date Placeholder 6">
             <a:extLst>
               <a:ext uri="{FF2B5EF4-FFF2-40B4-BE49-F238E27FC236}">
-                <a16:creationId xmlns:a16="http://schemas.microsoft.com/office/drawing/2014/main" id="{B60A327C-34C9-5E4A-B1C4-2EA66BC2FB8F}"/>
+                <a16:creationId xmlns:a16="http://schemas.microsoft.com/office/drawing/2014/main" id="{369EE954-A352-6A17-317B-505A2D362F28}"/>
               </a:ext>
             </a:extLst>
           </p:cNvPr>
@@ -2347,9 +2347,9 @@
           <a:bodyPr/>
           <a:lstStyle/>
           <a:p>
-            <a:fld id="{8BACA5CF-A5E4-41FF-8826-A97048D1C9A7}" type="datetimeFigureOut">
+            <a:fld id="{BB419361-5D31-4DEF-AA75-2A90FC25147A}" type="datetimeFigureOut">
               <a:rPr lang="en-US" smtClean="0"/>
-              <a:t>4/20/2024</a:t>
+              <a:t>5/15/2024</a:t>
             </a:fld>
             <a:endParaRPr lang="en-US"/>
           </a:p>
@@ -2360,7 +2360,7 @@
           <p:cNvPr id="8" name="Footer Placeholder 7">
             <a:extLst>
               <a:ext uri="{FF2B5EF4-FFF2-40B4-BE49-F238E27FC236}">
-                <a16:creationId xmlns:a16="http://schemas.microsoft.com/office/drawing/2014/main" id="{84B5C39A-9CF5-0F22-92B7-22C78ABCDAB8}"/>
+                <a16:creationId xmlns:a16="http://schemas.microsoft.com/office/drawing/2014/main" id="{4E2DE110-FB63-C127-ACA7-489CE999C763}"/>
               </a:ext>
             </a:extLst>
           </p:cNvPr>
@@ -2385,7 +2385,7 @@
           <p:cNvPr id="9" name="Slide Number Placeholder 8">
             <a:extLst>
               <a:ext uri="{FF2B5EF4-FFF2-40B4-BE49-F238E27FC236}">
-                <a16:creationId xmlns:a16="http://schemas.microsoft.com/office/drawing/2014/main" id="{329ED198-61FB-FCBE-7732-CD7552ED4D7E}"/>
+                <a16:creationId xmlns:a16="http://schemas.microsoft.com/office/drawing/2014/main" id="{2560DBAD-5023-356F-4C4C-A78D3CB3C7F1}"/>
               </a:ext>
             </a:extLst>
           </p:cNvPr>
@@ -2401,7 +2401,7 @@
           <a:bodyPr/>
           <a:lstStyle/>
           <a:p>
-            <a:fld id="{52569608-9DF8-499D-BE14-8F0BC722901C}" type="slidenum">
+            <a:fld id="{68D1A312-76AF-402F-BB56-6F3548F05B92}" type="slidenum">
               <a:rPr lang="en-US" smtClean="0"/>
               <a:t>‹#›</a:t>
             </a:fld>
@@ -2412,7 +2412,7 @@
     </p:spTree>
     <p:extLst>
       <p:ext uri="{BB962C8B-B14F-4D97-AF65-F5344CB8AC3E}">
-        <p14:creationId xmlns:p14="http://schemas.microsoft.com/office/powerpoint/2010/main" val="1506856464"/>
+        <p14:creationId xmlns:p14="http://schemas.microsoft.com/office/powerpoint/2010/main" val="859972771"/>
       </p:ext>
     </p:extLst>
   </p:cSld>
@@ -2444,7 +2444,7 @@
           <p:cNvPr id="2" name="Title 1">
             <a:extLst>
               <a:ext uri="{FF2B5EF4-FFF2-40B4-BE49-F238E27FC236}">
-                <a16:creationId xmlns:a16="http://schemas.microsoft.com/office/drawing/2014/main" id="{CA37E975-24E2-CB6E-88DA-17777347A57E}"/>
+                <a16:creationId xmlns:a16="http://schemas.microsoft.com/office/drawing/2014/main" id="{18E2C1AA-5524-9F15-C2CE-5B12F79EE8F5}"/>
               </a:ext>
             </a:extLst>
           </p:cNvPr>
@@ -2472,7 +2472,7 @@
           <p:cNvPr id="3" name="Date Placeholder 2">
             <a:extLst>
               <a:ext uri="{FF2B5EF4-FFF2-40B4-BE49-F238E27FC236}">
-                <a16:creationId xmlns:a16="http://schemas.microsoft.com/office/drawing/2014/main" id="{3CDDD4B8-3839-2421-6190-1BE63614E881}"/>
+                <a16:creationId xmlns:a16="http://schemas.microsoft.com/office/drawing/2014/main" id="{5DC0435C-54AE-E7C1-CA66-575D949C0FE8}"/>
               </a:ext>
             </a:extLst>
           </p:cNvPr>
@@ -2488,9 +2488,9 @@
           <a:bodyPr/>
           <a:lstStyle/>
           <a:p>
-            <a:fld id="{8BACA5CF-A5E4-41FF-8826-A97048D1C9A7}" type="datetimeFigureOut">
+            <a:fld id="{BB419361-5D31-4DEF-AA75-2A90FC25147A}" type="datetimeFigureOut">
               <a:rPr lang="en-US" smtClean="0"/>
-              <a:t>4/20/2024</a:t>
+              <a:t>5/15/2024</a:t>
             </a:fld>
             <a:endParaRPr lang="en-US"/>
           </a:p>
@@ -2501,7 +2501,7 @@
           <p:cNvPr id="4" name="Footer Placeholder 3">
             <a:extLst>
               <a:ext uri="{FF2B5EF4-FFF2-40B4-BE49-F238E27FC236}">
-                <a16:creationId xmlns:a16="http://schemas.microsoft.com/office/drawing/2014/main" id="{404DAF7D-455E-2698-0BDA-7E73421560C0}"/>
+                <a16:creationId xmlns:a16="http://schemas.microsoft.com/office/drawing/2014/main" id="{EC2B64DC-D2CF-7994-09CA-F7BE26D0EE27}"/>
               </a:ext>
             </a:extLst>
           </p:cNvPr>
@@ -2526,7 +2526,7 @@
           <p:cNvPr id="5" name="Slide Number Placeholder 4">
             <a:extLst>
               <a:ext uri="{FF2B5EF4-FFF2-40B4-BE49-F238E27FC236}">
-                <a16:creationId xmlns:a16="http://schemas.microsoft.com/office/drawing/2014/main" id="{146A9BDB-C736-DFDD-1D00-FCAB26D8BBC0}"/>
+                <a16:creationId xmlns:a16="http://schemas.microsoft.com/office/drawing/2014/main" id="{05767FC4-6E71-777B-16AF-B659D4937FA4}"/>
               </a:ext>
             </a:extLst>
           </p:cNvPr>
@@ -2542,7 +2542,7 @@
           <a:bodyPr/>
           <a:lstStyle/>
           <a:p>
-            <a:fld id="{52569608-9DF8-499D-BE14-8F0BC722901C}" type="slidenum">
+            <a:fld id="{68D1A312-76AF-402F-BB56-6F3548F05B92}" type="slidenum">
               <a:rPr lang="en-US" smtClean="0"/>
               <a:t>‹#›</a:t>
             </a:fld>
@@ -2553,7 +2553,7 @@
     </p:spTree>
     <p:extLst>
       <p:ext uri="{BB962C8B-B14F-4D97-AF65-F5344CB8AC3E}">
-        <p14:creationId xmlns:p14="http://schemas.microsoft.com/office/powerpoint/2010/main" val="549902293"/>
+        <p14:creationId xmlns:p14="http://schemas.microsoft.com/office/powerpoint/2010/main" val="49325078"/>
       </p:ext>
     </p:extLst>
   </p:cSld>
@@ -2585,7 +2585,7 @@
           <p:cNvPr id="2" name="Date Placeholder 1">
             <a:extLst>
               <a:ext uri="{FF2B5EF4-FFF2-40B4-BE49-F238E27FC236}">
-                <a16:creationId xmlns:a16="http://schemas.microsoft.com/office/drawing/2014/main" id="{B3B04474-8FE3-26BD-9E4E-5715B4CD2BB6}"/>
+                <a16:creationId xmlns:a16="http://schemas.microsoft.com/office/drawing/2014/main" id="{0BD144C6-E1AF-6FFB-F1EB-45FFCFE3D6AB}"/>
               </a:ext>
             </a:extLst>
           </p:cNvPr>
@@ -2601,9 +2601,9 @@
           <a:bodyPr/>
           <a:lstStyle/>
           <a:p>
-            <a:fld id="{8BACA5CF-A5E4-41FF-8826-A97048D1C9A7}" type="datetimeFigureOut">
+            <a:fld id="{BB419361-5D31-4DEF-AA75-2A90FC25147A}" type="datetimeFigureOut">
               <a:rPr lang="en-US" smtClean="0"/>
-              <a:t>4/20/2024</a:t>
+              <a:t>5/15/2024</a:t>
             </a:fld>
             <a:endParaRPr lang="en-US"/>
           </a:p>
@@ -2614,7 +2614,7 @@
           <p:cNvPr id="3" name="Footer Placeholder 2">
             <a:extLst>
               <a:ext uri="{FF2B5EF4-FFF2-40B4-BE49-F238E27FC236}">
-                <a16:creationId xmlns:a16="http://schemas.microsoft.com/office/drawing/2014/main" id="{0A1194CD-F9CE-9D1D-5568-5DFF8023EEF6}"/>
+                <a16:creationId xmlns:a16="http://schemas.microsoft.com/office/drawing/2014/main" id="{D1AC2149-EE0D-8003-5ACB-A1F82BB8C99C}"/>
               </a:ext>
             </a:extLst>
           </p:cNvPr>
@@ -2639,7 +2639,7 @@
           <p:cNvPr id="4" name="Slide Number Placeholder 3">
             <a:extLst>
               <a:ext uri="{FF2B5EF4-FFF2-40B4-BE49-F238E27FC236}">
-                <a16:creationId xmlns:a16="http://schemas.microsoft.com/office/drawing/2014/main" id="{2F362970-25C5-A350-AFBC-68735F2DC738}"/>
+                <a16:creationId xmlns:a16="http://schemas.microsoft.com/office/drawing/2014/main" id="{BF01BC75-4E3E-22F5-05CD-C939359893D8}"/>
               </a:ext>
             </a:extLst>
           </p:cNvPr>
@@ -2655,7 +2655,7 @@
           <a:bodyPr/>
           <a:lstStyle/>
           <a:p>
-            <a:fld id="{52569608-9DF8-499D-BE14-8F0BC722901C}" type="slidenum">
+            <a:fld id="{68D1A312-76AF-402F-BB56-6F3548F05B92}" type="slidenum">
               <a:rPr lang="en-US" smtClean="0"/>
               <a:t>‹#›</a:t>
             </a:fld>
@@ -2666,7 +2666,7 @@
     </p:spTree>
     <p:extLst>
       <p:ext uri="{BB962C8B-B14F-4D97-AF65-F5344CB8AC3E}">
-        <p14:creationId xmlns:p14="http://schemas.microsoft.com/office/powerpoint/2010/main" val="943012175"/>
+        <p14:creationId xmlns:p14="http://schemas.microsoft.com/office/powerpoint/2010/main" val="2243987306"/>
       </p:ext>
     </p:extLst>
   </p:cSld>
@@ -2698,7 +2698,7 @@
           <p:cNvPr id="2" name="Title 1">
             <a:extLst>
               <a:ext uri="{FF2B5EF4-FFF2-40B4-BE49-F238E27FC236}">
-                <a16:creationId xmlns:a16="http://schemas.microsoft.com/office/drawing/2014/main" id="{C8954823-5520-C491-A188-EA5EE65F806F}"/>
+                <a16:creationId xmlns:a16="http://schemas.microsoft.com/office/drawing/2014/main" id="{5B4F8360-4290-9098-9401-31D1C4E546C5}"/>
               </a:ext>
             </a:extLst>
           </p:cNvPr>
@@ -2735,7 +2735,7 @@
           <p:cNvPr id="3" name="Content Placeholder 2">
             <a:extLst>
               <a:ext uri="{FF2B5EF4-FFF2-40B4-BE49-F238E27FC236}">
-                <a16:creationId xmlns:a16="http://schemas.microsoft.com/office/drawing/2014/main" id="{8F6AEE9C-A275-909D-A090-936BDC0662F0}"/>
+                <a16:creationId xmlns:a16="http://schemas.microsoft.com/office/drawing/2014/main" id="{C7BCCC68-78BA-1ECC-25A8-A49E3E22658B}"/>
               </a:ext>
             </a:extLst>
           </p:cNvPr>
@@ -2825,7 +2825,7 @@
           <p:cNvPr id="4" name="Text Placeholder 3">
             <a:extLst>
               <a:ext uri="{FF2B5EF4-FFF2-40B4-BE49-F238E27FC236}">
-                <a16:creationId xmlns:a16="http://schemas.microsoft.com/office/drawing/2014/main" id="{F8658692-9F20-B2FA-F912-56472F884060}"/>
+                <a16:creationId xmlns:a16="http://schemas.microsoft.com/office/drawing/2014/main" id="{73A00EC5-B0AF-37A8-73A8-4297414DA00D}"/>
               </a:ext>
             </a:extLst>
           </p:cNvPr>
@@ -2896,7 +2896,7 @@
           <p:cNvPr id="5" name="Date Placeholder 4">
             <a:extLst>
               <a:ext uri="{FF2B5EF4-FFF2-40B4-BE49-F238E27FC236}">
-                <a16:creationId xmlns:a16="http://schemas.microsoft.com/office/drawing/2014/main" id="{128337B2-2496-BE2C-F500-1C5634CD74D2}"/>
+                <a16:creationId xmlns:a16="http://schemas.microsoft.com/office/drawing/2014/main" id="{5C637C60-8F5B-4C4E-7AE3-6A72227D53EE}"/>
               </a:ext>
             </a:extLst>
           </p:cNvPr>
@@ -2912,9 +2912,9 @@
           <a:bodyPr/>
           <a:lstStyle/>
           <a:p>
-            <a:fld id="{8BACA5CF-A5E4-41FF-8826-A97048D1C9A7}" type="datetimeFigureOut">
+            <a:fld id="{BB419361-5D31-4DEF-AA75-2A90FC25147A}" type="datetimeFigureOut">
               <a:rPr lang="en-US" smtClean="0"/>
-              <a:t>4/20/2024</a:t>
+              <a:t>5/15/2024</a:t>
             </a:fld>
             <a:endParaRPr lang="en-US"/>
           </a:p>
@@ -2925,7 +2925,7 @@
           <p:cNvPr id="6" name="Footer Placeholder 5">
             <a:extLst>
               <a:ext uri="{FF2B5EF4-FFF2-40B4-BE49-F238E27FC236}">
-                <a16:creationId xmlns:a16="http://schemas.microsoft.com/office/drawing/2014/main" id="{E62AB00E-D6F7-8E34-F068-43A7B2DADEEC}"/>
+                <a16:creationId xmlns:a16="http://schemas.microsoft.com/office/drawing/2014/main" id="{054495E2-3B6C-3A62-34EC-FCCB85AC6EA8}"/>
               </a:ext>
             </a:extLst>
           </p:cNvPr>
@@ -2950,7 +2950,7 @@
           <p:cNvPr id="7" name="Slide Number Placeholder 6">
             <a:extLst>
               <a:ext uri="{FF2B5EF4-FFF2-40B4-BE49-F238E27FC236}">
-                <a16:creationId xmlns:a16="http://schemas.microsoft.com/office/drawing/2014/main" id="{12CECF57-CAE2-01FD-5CE5-04AAF1A69463}"/>
+                <a16:creationId xmlns:a16="http://schemas.microsoft.com/office/drawing/2014/main" id="{40A6F956-B177-C148-829D-0F5088EE086A}"/>
               </a:ext>
             </a:extLst>
           </p:cNvPr>
@@ -2966,7 +2966,7 @@
           <a:bodyPr/>
           <a:lstStyle/>
           <a:p>
-            <a:fld id="{52569608-9DF8-499D-BE14-8F0BC722901C}" type="slidenum">
+            <a:fld id="{68D1A312-76AF-402F-BB56-6F3548F05B92}" type="slidenum">
               <a:rPr lang="en-US" smtClean="0"/>
               <a:t>‹#›</a:t>
             </a:fld>
@@ -2977,7 +2977,7 @@
     </p:spTree>
     <p:extLst>
       <p:ext uri="{BB962C8B-B14F-4D97-AF65-F5344CB8AC3E}">
-        <p14:creationId xmlns:p14="http://schemas.microsoft.com/office/powerpoint/2010/main" val="263372037"/>
+        <p14:creationId xmlns:p14="http://schemas.microsoft.com/office/powerpoint/2010/main" val="3124858668"/>
       </p:ext>
     </p:extLst>
   </p:cSld>
@@ -3009,7 +3009,7 @@
           <p:cNvPr id="2" name="Title 1">
             <a:extLst>
               <a:ext uri="{FF2B5EF4-FFF2-40B4-BE49-F238E27FC236}">
-                <a16:creationId xmlns:a16="http://schemas.microsoft.com/office/drawing/2014/main" id="{DFCE341B-EF87-49CA-4DBD-583F78E989EE}"/>
+                <a16:creationId xmlns:a16="http://schemas.microsoft.com/office/drawing/2014/main" id="{A3518686-AEED-D2D2-EBD7-F7EAE9078ACB}"/>
               </a:ext>
             </a:extLst>
           </p:cNvPr>
@@ -3046,7 +3046,7 @@
           <p:cNvPr id="3" name="Picture Placeholder 2">
             <a:extLst>
               <a:ext uri="{FF2B5EF4-FFF2-40B4-BE49-F238E27FC236}">
-                <a16:creationId xmlns:a16="http://schemas.microsoft.com/office/drawing/2014/main" id="{E0D3AD01-1D5C-F5BB-146F-2E4227DCDABF}"/>
+                <a16:creationId xmlns:a16="http://schemas.microsoft.com/office/drawing/2014/main" id="{4391CF15-96D5-E7AE-488F-7DDBCAAAAF35}"/>
               </a:ext>
             </a:extLst>
           </p:cNvPr>
@@ -3113,7 +3113,7 @@
           <p:cNvPr id="4" name="Text Placeholder 3">
             <a:extLst>
               <a:ext uri="{FF2B5EF4-FFF2-40B4-BE49-F238E27FC236}">
-                <a16:creationId xmlns:a16="http://schemas.microsoft.com/office/drawing/2014/main" id="{667B1D29-6E6A-492D-6E8F-97D76C39BCA4}"/>
+                <a16:creationId xmlns:a16="http://schemas.microsoft.com/office/drawing/2014/main" id="{7987DAEE-0834-0C89-B3CD-303B7EFF045F}"/>
               </a:ext>
             </a:extLst>
           </p:cNvPr>
@@ -3184,7 +3184,7 @@
           <p:cNvPr id="5" name="Date Placeholder 4">
             <a:extLst>
               <a:ext uri="{FF2B5EF4-FFF2-40B4-BE49-F238E27FC236}">
-                <a16:creationId xmlns:a16="http://schemas.microsoft.com/office/drawing/2014/main" id="{26F0EDA7-D095-79EE-3757-F6E23F4504B2}"/>
+                <a16:creationId xmlns:a16="http://schemas.microsoft.com/office/drawing/2014/main" id="{2BBCF7DF-4EE9-1DD3-2BF6-E591EA79BFBE}"/>
               </a:ext>
             </a:extLst>
           </p:cNvPr>
@@ -3200,9 +3200,9 @@
           <a:bodyPr/>
           <a:lstStyle/>
           <a:p>
-            <a:fld id="{8BACA5CF-A5E4-41FF-8826-A97048D1C9A7}" type="datetimeFigureOut">
+            <a:fld id="{BB419361-5D31-4DEF-AA75-2A90FC25147A}" type="datetimeFigureOut">
               <a:rPr lang="en-US" smtClean="0"/>
-              <a:t>4/20/2024</a:t>
+              <a:t>5/15/2024</a:t>
             </a:fld>
             <a:endParaRPr lang="en-US"/>
           </a:p>
@@ -3213,7 +3213,7 @@
           <p:cNvPr id="6" name="Footer Placeholder 5">
             <a:extLst>
               <a:ext uri="{FF2B5EF4-FFF2-40B4-BE49-F238E27FC236}">
-                <a16:creationId xmlns:a16="http://schemas.microsoft.com/office/drawing/2014/main" id="{DF88BC8B-4324-C4CC-3E36-044B911131D2}"/>
+                <a16:creationId xmlns:a16="http://schemas.microsoft.com/office/drawing/2014/main" id="{87BC323A-B31E-E939-6AFA-BB31843C07D6}"/>
               </a:ext>
             </a:extLst>
           </p:cNvPr>
@@ -3238,7 +3238,7 @@
           <p:cNvPr id="7" name="Slide Number Placeholder 6">
             <a:extLst>
               <a:ext uri="{FF2B5EF4-FFF2-40B4-BE49-F238E27FC236}">
-                <a16:creationId xmlns:a16="http://schemas.microsoft.com/office/drawing/2014/main" id="{D02DEF03-91B7-EFB7-3A88-989F2DA4EEE1}"/>
+                <a16:creationId xmlns:a16="http://schemas.microsoft.com/office/drawing/2014/main" id="{D9E3E9C2-1FA5-F08D-0134-BD82841161BB}"/>
               </a:ext>
             </a:extLst>
           </p:cNvPr>
@@ -3254,7 +3254,7 @@
           <a:bodyPr/>
           <a:lstStyle/>
           <a:p>
-            <a:fld id="{52569608-9DF8-499D-BE14-8F0BC722901C}" type="slidenum">
+            <a:fld id="{68D1A312-76AF-402F-BB56-6F3548F05B92}" type="slidenum">
               <a:rPr lang="en-US" smtClean="0"/>
               <a:t>‹#›</a:t>
             </a:fld>
@@ -3265,7 +3265,7 @@
     </p:spTree>
     <p:extLst>
       <p:ext uri="{BB962C8B-B14F-4D97-AF65-F5344CB8AC3E}">
-        <p14:creationId xmlns:p14="http://schemas.microsoft.com/office/powerpoint/2010/main" val="1506057589"/>
+        <p14:creationId xmlns:p14="http://schemas.microsoft.com/office/powerpoint/2010/main" val="2634668792"/>
       </p:ext>
     </p:extLst>
   </p:cSld>
@@ -3302,7 +3302,7 @@
           <p:cNvPr id="2" name="Title Placeholder 1">
             <a:extLst>
               <a:ext uri="{FF2B5EF4-FFF2-40B4-BE49-F238E27FC236}">
-                <a16:creationId xmlns:a16="http://schemas.microsoft.com/office/drawing/2014/main" id="{1F001A82-88AB-3E74-B2EF-F81FA3EB763D}"/>
+                <a16:creationId xmlns:a16="http://schemas.microsoft.com/office/drawing/2014/main" id="{092D8F5E-CEC4-9959-1FE3-C8D984171896}"/>
               </a:ext>
             </a:extLst>
           </p:cNvPr>
@@ -3340,7 +3340,7 @@
           <p:cNvPr id="3" name="Text Placeholder 2">
             <a:extLst>
               <a:ext uri="{FF2B5EF4-FFF2-40B4-BE49-F238E27FC236}">
-                <a16:creationId xmlns:a16="http://schemas.microsoft.com/office/drawing/2014/main" id="{69F0BA50-9A64-535E-8811-36182525153F}"/>
+                <a16:creationId xmlns:a16="http://schemas.microsoft.com/office/drawing/2014/main" id="{8AD9D59F-1A00-E4C2-F962-B6B04250F5F4}"/>
               </a:ext>
             </a:extLst>
           </p:cNvPr>
@@ -3407,7 +3407,7 @@
           <p:cNvPr id="4" name="Date Placeholder 3">
             <a:extLst>
               <a:ext uri="{FF2B5EF4-FFF2-40B4-BE49-F238E27FC236}">
-                <a16:creationId xmlns:a16="http://schemas.microsoft.com/office/drawing/2014/main" id="{1E04ECA7-30EA-0C82-F5F1-5E35DF927BA2}"/>
+                <a16:creationId xmlns:a16="http://schemas.microsoft.com/office/drawing/2014/main" id="{EA878740-B7D8-BCB9-533E-BA5FC8227A36}"/>
               </a:ext>
             </a:extLst>
           </p:cNvPr>
@@ -3441,9 +3441,9 @@
             </a:lvl1pPr>
           </a:lstStyle>
           <a:p>
-            <a:fld id="{8BACA5CF-A5E4-41FF-8826-A97048D1C9A7}" type="datetimeFigureOut">
+            <a:fld id="{BB419361-5D31-4DEF-AA75-2A90FC25147A}" type="datetimeFigureOut">
               <a:rPr lang="en-US" smtClean="0"/>
-              <a:t>4/20/2024</a:t>
+              <a:t>5/15/2024</a:t>
             </a:fld>
             <a:endParaRPr lang="en-US"/>
           </a:p>
@@ -3454,7 +3454,7 @@
           <p:cNvPr id="5" name="Footer Placeholder 4">
             <a:extLst>
               <a:ext uri="{FF2B5EF4-FFF2-40B4-BE49-F238E27FC236}">
-                <a16:creationId xmlns:a16="http://schemas.microsoft.com/office/drawing/2014/main" id="{0DBCB924-06D8-01DF-F9E6-B4547D5ABD7A}"/>
+                <a16:creationId xmlns:a16="http://schemas.microsoft.com/office/drawing/2014/main" id="{BFF39FEE-05E8-C150-0E14-C16604A54129}"/>
               </a:ext>
             </a:extLst>
           </p:cNvPr>
@@ -3497,7 +3497,7 @@
           <p:cNvPr id="6" name="Slide Number Placeholder 5">
             <a:extLst>
               <a:ext uri="{FF2B5EF4-FFF2-40B4-BE49-F238E27FC236}">
-                <a16:creationId xmlns:a16="http://schemas.microsoft.com/office/drawing/2014/main" id="{DA136FF0-A6C4-CC9A-0720-9FCDE3F614A9}"/>
+                <a16:creationId xmlns:a16="http://schemas.microsoft.com/office/drawing/2014/main" id="{671AC268-88A8-19B3-B7ED-9C854DE279BC}"/>
               </a:ext>
             </a:extLst>
           </p:cNvPr>
@@ -3531,7 +3531,7 @@
             </a:lvl1pPr>
           </a:lstStyle>
           <a:p>
-            <a:fld id="{52569608-9DF8-499D-BE14-8F0BC722901C}" type="slidenum">
+            <a:fld id="{68D1A312-76AF-402F-BB56-6F3548F05B92}" type="slidenum">
               <a:rPr lang="en-US" smtClean="0"/>
               <a:t>‹#›</a:t>
             </a:fld>
@@ -3542,7 +3542,7 @@
     </p:spTree>
     <p:extLst>
       <p:ext uri="{BB962C8B-B14F-4D97-AF65-F5344CB8AC3E}">
-        <p14:creationId xmlns:p14="http://schemas.microsoft.com/office/powerpoint/2010/main" val="785338055"/>
+        <p14:creationId xmlns:p14="http://schemas.microsoft.com/office/powerpoint/2010/main" val="2746852409"/>
       </p:ext>
     </p:extLst>
   </p:cSld>
@@ -4047,6 +4047,55 @@
             <a:normAutofit/>
           </a:bodyPr>
           <a:lstStyle/>
+          <a:p>
+            <a:r>
+              <a:rPr lang="th-TH" dirty="0">
+                <a:solidFill>
+                  <a:srgbClr val="000000"/>
+                </a:solidFill>
+                <a:latin typeface="TH SarabunPSK" panose="020B0500040200020003" pitchFamily="34" charset="-34"/>
+                <a:cs typeface="TH SarabunPSK" panose="020B0500040200020003" pitchFamily="34" charset="-34"/>
+              </a:rPr>
+              <a:t>บทที่ 7 การแสดงผลการเปรียบเทียบข้อมูล </a:t>
+            </a:r>
+            <a:r>
+              <a:rPr lang="en-US" dirty="0">
+                <a:solidFill>
+                  <a:srgbClr val="000000"/>
+                </a:solidFill>
+                <a:latin typeface="TH SarabunPSK" panose="020B0500040200020003" pitchFamily="34" charset="-34"/>
+                <a:cs typeface="TH SarabunPSK" panose="020B0500040200020003" pitchFamily="34" charset="-34"/>
+              </a:rPr>
+              <a:t>(</a:t>
+            </a:r>
+            <a:r>
+              <a:rPr lang="th-TH" dirty="0">
+                <a:solidFill>
+                  <a:srgbClr val="000000"/>
+                </a:solidFill>
+                <a:latin typeface="TH SarabunPSK" panose="020B0500040200020003" pitchFamily="34" charset="-34"/>
+                <a:cs typeface="TH SarabunPSK" panose="020B0500040200020003" pitchFamily="34" charset="-34"/>
+              </a:rPr>
+              <a:t>ต่อ</a:t>
+            </a:r>
+            <a:r>
+              <a:rPr lang="en-US" dirty="0">
+                <a:solidFill>
+                  <a:srgbClr val="000000"/>
+                </a:solidFill>
+                <a:latin typeface="TH SarabunPSK" panose="020B0500040200020003" pitchFamily="34" charset="-34"/>
+                <a:cs typeface="TH SarabunPSK" panose="020B0500040200020003" pitchFamily="34" charset="-34"/>
+              </a:rPr>
+              <a:t>)</a:t>
+            </a:r>
+            <a:endParaRPr lang="th-TH" dirty="0">
+              <a:solidFill>
+                <a:srgbClr val="000000"/>
+              </a:solidFill>
+              <a:latin typeface="TH SarabunPSK" panose="020B0500040200020003" pitchFamily="34" charset="-34"/>
+              <a:cs typeface="TH SarabunPSK" panose="020B0500040200020003" pitchFamily="34" charset="-34"/>
+            </a:endParaRPr>
+          </a:p>
           <a:p>
             <a:r>
               <a:rPr lang="en-US" dirty="0" err="1">

--- a/PPT/Class period 18.pptx
+++ b/PPT/Class period 18.pptx
@@ -126,6 +126,11 @@
       </a:defRPr>
     </a:lvl9pPr>
   </p:defaultTextStyle>
+  <p:extLst>
+    <p:ext uri="{EFAFB233-063F-42B5-8137-9DF3F51BA10A}">
+      <p15:sldGuideLst xmlns:p15="http://schemas.microsoft.com/office/powerpoint/2012/main"/>
+    </p:ext>
+  </p:extLst>
 </p:presentation>
 </file>
 
@@ -211,7 +216,7 @@
           <a:p>
             <a:fld id="{3A723A71-17A9-48F4-BDB9-92857604A8BC}" type="datetimeFigureOut">
               <a:rPr lang="en-US" smtClean="0"/>
-              <a:t>5/15/2024</a:t>
+              <a:t>6/17/2024</a:t>
             </a:fld>
             <a:endParaRPr lang="en-US"/>
           </a:p>
@@ -793,7 +798,7 @@
           <a:p>
             <a:fld id="{BB419361-5D31-4DEF-AA75-2A90FC25147A}" type="datetimeFigureOut">
               <a:rPr lang="en-US" smtClean="0"/>
-              <a:t>5/15/2024</a:t>
+              <a:t>6/17/2024</a:t>
             </a:fld>
             <a:endParaRPr lang="en-US"/>
           </a:p>
@@ -991,7 +996,7 @@
           <a:p>
             <a:fld id="{BB419361-5D31-4DEF-AA75-2A90FC25147A}" type="datetimeFigureOut">
               <a:rPr lang="en-US" smtClean="0"/>
-              <a:t>5/15/2024</a:t>
+              <a:t>6/17/2024</a:t>
             </a:fld>
             <a:endParaRPr lang="en-US"/>
           </a:p>
@@ -1199,7 +1204,7 @@
           <a:p>
             <a:fld id="{BB419361-5D31-4DEF-AA75-2A90FC25147A}" type="datetimeFigureOut">
               <a:rPr lang="en-US" smtClean="0"/>
-              <a:t>5/15/2024</a:t>
+              <a:t>6/17/2024</a:t>
             </a:fld>
             <a:endParaRPr lang="en-US"/>
           </a:p>
@@ -1397,7 +1402,7 @@
           <a:p>
             <a:fld id="{BB419361-5D31-4DEF-AA75-2A90FC25147A}" type="datetimeFigureOut">
               <a:rPr lang="en-US" smtClean="0"/>
-              <a:t>5/15/2024</a:t>
+              <a:t>6/17/2024</a:t>
             </a:fld>
             <a:endParaRPr lang="en-US"/>
           </a:p>
@@ -1672,7 +1677,7 @@
           <a:p>
             <a:fld id="{BB419361-5D31-4DEF-AA75-2A90FC25147A}" type="datetimeFigureOut">
               <a:rPr lang="en-US" smtClean="0"/>
-              <a:t>5/15/2024</a:t>
+              <a:t>6/17/2024</a:t>
             </a:fld>
             <a:endParaRPr lang="en-US"/>
           </a:p>
@@ -1937,7 +1942,7 @@
           <a:p>
             <a:fld id="{BB419361-5D31-4DEF-AA75-2A90FC25147A}" type="datetimeFigureOut">
               <a:rPr lang="en-US" smtClean="0"/>
-              <a:t>5/15/2024</a:t>
+              <a:t>6/17/2024</a:t>
             </a:fld>
             <a:endParaRPr lang="en-US"/>
           </a:p>
@@ -2349,7 +2354,7 @@
           <a:p>
             <a:fld id="{BB419361-5D31-4DEF-AA75-2A90FC25147A}" type="datetimeFigureOut">
               <a:rPr lang="en-US" smtClean="0"/>
-              <a:t>5/15/2024</a:t>
+              <a:t>6/17/2024</a:t>
             </a:fld>
             <a:endParaRPr lang="en-US"/>
           </a:p>
@@ -2490,7 +2495,7 @@
           <a:p>
             <a:fld id="{BB419361-5D31-4DEF-AA75-2A90FC25147A}" type="datetimeFigureOut">
               <a:rPr lang="en-US" smtClean="0"/>
-              <a:t>5/15/2024</a:t>
+              <a:t>6/17/2024</a:t>
             </a:fld>
             <a:endParaRPr lang="en-US"/>
           </a:p>
@@ -2603,7 +2608,7 @@
           <a:p>
             <a:fld id="{BB419361-5D31-4DEF-AA75-2A90FC25147A}" type="datetimeFigureOut">
               <a:rPr lang="en-US" smtClean="0"/>
-              <a:t>5/15/2024</a:t>
+              <a:t>6/17/2024</a:t>
             </a:fld>
             <a:endParaRPr lang="en-US"/>
           </a:p>
@@ -2914,7 +2919,7 @@
           <a:p>
             <a:fld id="{BB419361-5D31-4DEF-AA75-2A90FC25147A}" type="datetimeFigureOut">
               <a:rPr lang="en-US" smtClean="0"/>
-              <a:t>5/15/2024</a:t>
+              <a:t>6/17/2024</a:t>
             </a:fld>
             <a:endParaRPr lang="en-US"/>
           </a:p>
@@ -3202,7 +3207,7 @@
           <a:p>
             <a:fld id="{BB419361-5D31-4DEF-AA75-2A90FC25147A}" type="datetimeFigureOut">
               <a:rPr lang="en-US" smtClean="0"/>
-              <a:t>5/15/2024</a:t>
+              <a:t>6/17/2024</a:t>
             </a:fld>
             <a:endParaRPr lang="en-US"/>
           </a:p>
@@ -3443,7 +3448,7 @@
           <a:p>
             <a:fld id="{BB419361-5D31-4DEF-AA75-2A90FC25147A}" type="datetimeFigureOut">
               <a:rPr lang="en-US" smtClean="0"/>
-              <a:t>5/15/2024</a:t>
+              <a:t>6/17/2024</a:t>
             </a:fld>
             <a:endParaRPr lang="en-US"/>
           </a:p>
@@ -4126,6 +4131,73 @@
           </a:p>
         </p:txBody>
       </p:sp>
+      <p:sp>
+        <p:nvSpPr>
+          <p:cNvPr id="7" name="TextBox 6">
+            <a:extLst>
+              <a:ext uri="{FF2B5EF4-FFF2-40B4-BE49-F238E27FC236}">
+                <a16:creationId xmlns:a16="http://schemas.microsoft.com/office/drawing/2014/main" id="{25B63CC9-1A28-DDCD-B2F3-6A1962DE160D}"/>
+              </a:ext>
+            </a:extLst>
+          </p:cNvPr>
+          <p:cNvSpPr txBox="1"/>
+          <p:nvPr/>
+        </p:nvSpPr>
+        <p:spPr>
+          <a:xfrm>
+            <a:off x="114677" y="6172611"/>
+            <a:ext cx="5532120" cy="461665"/>
+          </a:xfrm>
+          <a:prstGeom prst="rect">
+            <a:avLst/>
+          </a:prstGeom>
+          <a:noFill/>
+        </p:spPr>
+        <p:txBody>
+          <a:bodyPr wrap="square">
+            <a:spAutoFit/>
+          </a:bodyPr>
+          <a:lstStyle/>
+          <a:p>
+            <a:pPr algn="l"/>
+            <a:r>
+              <a:rPr lang="th-TH" sz="2400" dirty="0">
+                <a:latin typeface="TH SarabunPSK" panose="020B0500040200020003" pitchFamily="34" charset="-34"/>
+                <a:cs typeface="TH SarabunPSK" panose="020B0500040200020003" pitchFamily="34" charset="-34"/>
+              </a:rPr>
+              <a:t>โดย ผศ</a:t>
+            </a:r>
+            <a:r>
+              <a:rPr lang="en-US" sz="2400" dirty="0">
+                <a:latin typeface="TH SarabunPSK" panose="020B0500040200020003" pitchFamily="34" charset="-34"/>
+                <a:cs typeface="TH SarabunPSK" panose="020B0500040200020003" pitchFamily="34" charset="-34"/>
+              </a:rPr>
+              <a:t>. </a:t>
+            </a:r>
+            <a:r>
+              <a:rPr lang="th-TH" sz="2400" dirty="0">
+                <a:latin typeface="TH SarabunPSK" panose="020B0500040200020003" pitchFamily="34" charset="-34"/>
+                <a:cs typeface="TH SarabunPSK" panose="020B0500040200020003" pitchFamily="34" charset="-34"/>
+              </a:rPr>
+              <a:t>ดร</a:t>
+            </a:r>
+            <a:r>
+              <a:rPr lang="en-US" sz="2400" dirty="0">
+                <a:latin typeface="TH SarabunPSK" panose="020B0500040200020003" pitchFamily="34" charset="-34"/>
+                <a:cs typeface="TH SarabunPSK" panose="020B0500040200020003" pitchFamily="34" charset="-34"/>
+              </a:rPr>
+              <a:t>.</a:t>
+            </a:r>
+            <a:r>
+              <a:rPr lang="th-TH" sz="2400" dirty="0">
+                <a:latin typeface="TH SarabunPSK" panose="020B0500040200020003" pitchFamily="34" charset="-34"/>
+                <a:cs typeface="TH SarabunPSK" panose="020B0500040200020003" pitchFamily="34" charset="-34"/>
+              </a:rPr>
+              <a:t>ธนพงศ์ อินทระ สาขาวิชาสถิติ มหาวิทยาลัยขอนแก่น </a:t>
+            </a:r>
+          </a:p>
+        </p:txBody>
+      </p:sp>
     </p:spTree>
     <p:extLst>
       <p:ext uri="{BB962C8B-B14F-4D97-AF65-F5344CB8AC3E}">
@@ -4613,6 +4685,73 @@
           </a:xfrm>
         </p:spPr>
       </p:pic>
+      <p:sp>
+        <p:nvSpPr>
+          <p:cNvPr id="9" name="TextBox 8">
+            <a:extLst>
+              <a:ext uri="{FF2B5EF4-FFF2-40B4-BE49-F238E27FC236}">
+                <a16:creationId xmlns:a16="http://schemas.microsoft.com/office/drawing/2014/main" id="{853BD1DF-9A40-A4DF-5BE8-BCD50CAB5A94}"/>
+              </a:ext>
+            </a:extLst>
+          </p:cNvPr>
+          <p:cNvSpPr txBox="1"/>
+          <p:nvPr/>
+        </p:nvSpPr>
+        <p:spPr>
+          <a:xfrm>
+            <a:off x="114677" y="6172611"/>
+            <a:ext cx="5532120" cy="461665"/>
+          </a:xfrm>
+          <a:prstGeom prst="rect">
+            <a:avLst/>
+          </a:prstGeom>
+          <a:noFill/>
+        </p:spPr>
+        <p:txBody>
+          <a:bodyPr wrap="square">
+            <a:spAutoFit/>
+          </a:bodyPr>
+          <a:lstStyle/>
+          <a:p>
+            <a:pPr algn="l"/>
+            <a:r>
+              <a:rPr lang="th-TH" sz="2400" dirty="0">
+                <a:latin typeface="TH SarabunPSK" panose="020B0500040200020003" pitchFamily="34" charset="-34"/>
+                <a:cs typeface="TH SarabunPSK" panose="020B0500040200020003" pitchFamily="34" charset="-34"/>
+              </a:rPr>
+              <a:t>โดย ผศ</a:t>
+            </a:r>
+            <a:r>
+              <a:rPr lang="en-US" sz="2400" dirty="0">
+                <a:latin typeface="TH SarabunPSK" panose="020B0500040200020003" pitchFamily="34" charset="-34"/>
+                <a:cs typeface="TH SarabunPSK" panose="020B0500040200020003" pitchFamily="34" charset="-34"/>
+              </a:rPr>
+              <a:t>. </a:t>
+            </a:r>
+            <a:r>
+              <a:rPr lang="th-TH" sz="2400" dirty="0">
+                <a:latin typeface="TH SarabunPSK" panose="020B0500040200020003" pitchFamily="34" charset="-34"/>
+                <a:cs typeface="TH SarabunPSK" panose="020B0500040200020003" pitchFamily="34" charset="-34"/>
+              </a:rPr>
+              <a:t>ดร</a:t>
+            </a:r>
+            <a:r>
+              <a:rPr lang="en-US" sz="2400" dirty="0">
+                <a:latin typeface="TH SarabunPSK" panose="020B0500040200020003" pitchFamily="34" charset="-34"/>
+                <a:cs typeface="TH SarabunPSK" panose="020B0500040200020003" pitchFamily="34" charset="-34"/>
+              </a:rPr>
+              <a:t>.</a:t>
+            </a:r>
+            <a:r>
+              <a:rPr lang="th-TH" sz="2400" dirty="0">
+                <a:latin typeface="TH SarabunPSK" panose="020B0500040200020003" pitchFamily="34" charset="-34"/>
+                <a:cs typeface="TH SarabunPSK" panose="020B0500040200020003" pitchFamily="34" charset="-34"/>
+              </a:rPr>
+              <a:t>ธนพงศ์ อินทระ สาขาวิชาสถิติ มหาวิทยาลัยขอนแก่น </a:t>
+            </a:r>
+          </a:p>
+        </p:txBody>
+      </p:sp>
     </p:spTree>
     <p:extLst>
       <p:ext uri="{BB962C8B-B14F-4D97-AF65-F5344CB8AC3E}">
@@ -6581,6 +6720,73 @@
           </a:p>
         </p:txBody>
       </p:sp>
+      <p:sp>
+        <p:nvSpPr>
+          <p:cNvPr id="9" name="TextBox 8">
+            <a:extLst>
+              <a:ext uri="{FF2B5EF4-FFF2-40B4-BE49-F238E27FC236}">
+                <a16:creationId xmlns:a16="http://schemas.microsoft.com/office/drawing/2014/main" id="{B4E27398-4C2F-998F-73EB-1E2DE349C012}"/>
+              </a:ext>
+            </a:extLst>
+          </p:cNvPr>
+          <p:cNvSpPr txBox="1"/>
+          <p:nvPr/>
+        </p:nvSpPr>
+        <p:spPr>
+          <a:xfrm>
+            <a:off x="114677" y="6172611"/>
+            <a:ext cx="5532120" cy="461665"/>
+          </a:xfrm>
+          <a:prstGeom prst="rect">
+            <a:avLst/>
+          </a:prstGeom>
+          <a:noFill/>
+        </p:spPr>
+        <p:txBody>
+          <a:bodyPr wrap="square">
+            <a:spAutoFit/>
+          </a:bodyPr>
+          <a:lstStyle/>
+          <a:p>
+            <a:pPr algn="l"/>
+            <a:r>
+              <a:rPr lang="th-TH" sz="2400" dirty="0">
+                <a:latin typeface="TH SarabunPSK" panose="020B0500040200020003" pitchFamily="34" charset="-34"/>
+                <a:cs typeface="TH SarabunPSK" panose="020B0500040200020003" pitchFamily="34" charset="-34"/>
+              </a:rPr>
+              <a:t>โดย ผศ</a:t>
+            </a:r>
+            <a:r>
+              <a:rPr lang="en-US" sz="2400" dirty="0">
+                <a:latin typeface="TH SarabunPSK" panose="020B0500040200020003" pitchFamily="34" charset="-34"/>
+                <a:cs typeface="TH SarabunPSK" panose="020B0500040200020003" pitchFamily="34" charset="-34"/>
+              </a:rPr>
+              <a:t>. </a:t>
+            </a:r>
+            <a:r>
+              <a:rPr lang="th-TH" sz="2400" dirty="0">
+                <a:latin typeface="TH SarabunPSK" panose="020B0500040200020003" pitchFamily="34" charset="-34"/>
+                <a:cs typeface="TH SarabunPSK" panose="020B0500040200020003" pitchFamily="34" charset="-34"/>
+              </a:rPr>
+              <a:t>ดร</a:t>
+            </a:r>
+            <a:r>
+              <a:rPr lang="en-US" sz="2400" dirty="0">
+                <a:latin typeface="TH SarabunPSK" panose="020B0500040200020003" pitchFamily="34" charset="-34"/>
+                <a:cs typeface="TH SarabunPSK" panose="020B0500040200020003" pitchFamily="34" charset="-34"/>
+              </a:rPr>
+              <a:t>.</a:t>
+            </a:r>
+            <a:r>
+              <a:rPr lang="th-TH" sz="2400" dirty="0">
+                <a:latin typeface="TH SarabunPSK" panose="020B0500040200020003" pitchFamily="34" charset="-34"/>
+                <a:cs typeface="TH SarabunPSK" panose="020B0500040200020003" pitchFamily="34" charset="-34"/>
+              </a:rPr>
+              <a:t>ธนพงศ์ อินทระ สาขาวิชาสถิติ มหาวิทยาลัยขอนแก่น </a:t>
+            </a:r>
+          </a:p>
+        </p:txBody>
+      </p:sp>
     </p:spTree>
     <p:extLst>
       <p:ext uri="{BB962C8B-B14F-4D97-AF65-F5344CB8AC3E}">
@@ -7051,6 +7257,73 @@
           </a:xfrm>
         </p:spPr>
       </p:pic>
+      <p:sp>
+        <p:nvSpPr>
+          <p:cNvPr id="8" name="TextBox 7">
+            <a:extLst>
+              <a:ext uri="{FF2B5EF4-FFF2-40B4-BE49-F238E27FC236}">
+                <a16:creationId xmlns:a16="http://schemas.microsoft.com/office/drawing/2014/main" id="{F1B7304F-2D84-EAA3-1449-ADC08CDD6D96}"/>
+              </a:ext>
+            </a:extLst>
+          </p:cNvPr>
+          <p:cNvSpPr txBox="1"/>
+          <p:nvPr/>
+        </p:nvSpPr>
+        <p:spPr>
+          <a:xfrm>
+            <a:off x="114677" y="6172611"/>
+            <a:ext cx="5532120" cy="461665"/>
+          </a:xfrm>
+          <a:prstGeom prst="rect">
+            <a:avLst/>
+          </a:prstGeom>
+          <a:noFill/>
+        </p:spPr>
+        <p:txBody>
+          <a:bodyPr wrap="square">
+            <a:spAutoFit/>
+          </a:bodyPr>
+          <a:lstStyle/>
+          <a:p>
+            <a:pPr algn="l"/>
+            <a:r>
+              <a:rPr lang="th-TH" sz="2400" dirty="0">
+                <a:latin typeface="TH SarabunPSK" panose="020B0500040200020003" pitchFamily="34" charset="-34"/>
+                <a:cs typeface="TH SarabunPSK" panose="020B0500040200020003" pitchFamily="34" charset="-34"/>
+              </a:rPr>
+              <a:t>โดย ผศ</a:t>
+            </a:r>
+            <a:r>
+              <a:rPr lang="en-US" sz="2400" dirty="0">
+                <a:latin typeface="TH SarabunPSK" panose="020B0500040200020003" pitchFamily="34" charset="-34"/>
+                <a:cs typeface="TH SarabunPSK" panose="020B0500040200020003" pitchFamily="34" charset="-34"/>
+              </a:rPr>
+              <a:t>. </a:t>
+            </a:r>
+            <a:r>
+              <a:rPr lang="th-TH" sz="2400" dirty="0">
+                <a:latin typeface="TH SarabunPSK" panose="020B0500040200020003" pitchFamily="34" charset="-34"/>
+                <a:cs typeface="TH SarabunPSK" panose="020B0500040200020003" pitchFamily="34" charset="-34"/>
+              </a:rPr>
+              <a:t>ดร</a:t>
+            </a:r>
+            <a:r>
+              <a:rPr lang="en-US" sz="2400" dirty="0">
+                <a:latin typeface="TH SarabunPSK" panose="020B0500040200020003" pitchFamily="34" charset="-34"/>
+                <a:cs typeface="TH SarabunPSK" panose="020B0500040200020003" pitchFamily="34" charset="-34"/>
+              </a:rPr>
+              <a:t>.</a:t>
+            </a:r>
+            <a:r>
+              <a:rPr lang="th-TH" sz="2400" dirty="0">
+                <a:latin typeface="TH SarabunPSK" panose="020B0500040200020003" pitchFamily="34" charset="-34"/>
+                <a:cs typeface="TH SarabunPSK" panose="020B0500040200020003" pitchFamily="34" charset="-34"/>
+              </a:rPr>
+              <a:t>ธนพงศ์ อินทระ สาขาวิชาสถิติ มหาวิทยาลัยขอนแก่น </a:t>
+            </a:r>
+          </a:p>
+        </p:txBody>
+      </p:sp>
     </p:spTree>
     <p:extLst>
       <p:ext uri="{BB962C8B-B14F-4D97-AF65-F5344CB8AC3E}">
@@ -7604,6 +7877,73 @@
           </a:prstGeom>
         </p:spPr>
       </p:pic>
+      <p:sp>
+        <p:nvSpPr>
+          <p:cNvPr id="10" name="TextBox 9">
+            <a:extLst>
+              <a:ext uri="{FF2B5EF4-FFF2-40B4-BE49-F238E27FC236}">
+                <a16:creationId xmlns:a16="http://schemas.microsoft.com/office/drawing/2014/main" id="{18A3DD92-2810-A9F9-E1EE-6B77B42A3E85}"/>
+              </a:ext>
+            </a:extLst>
+          </p:cNvPr>
+          <p:cNvSpPr txBox="1"/>
+          <p:nvPr/>
+        </p:nvSpPr>
+        <p:spPr>
+          <a:xfrm>
+            <a:off x="114677" y="6172611"/>
+            <a:ext cx="5532120" cy="461665"/>
+          </a:xfrm>
+          <a:prstGeom prst="rect">
+            <a:avLst/>
+          </a:prstGeom>
+          <a:noFill/>
+        </p:spPr>
+        <p:txBody>
+          <a:bodyPr wrap="square">
+            <a:spAutoFit/>
+          </a:bodyPr>
+          <a:lstStyle/>
+          <a:p>
+            <a:pPr algn="l"/>
+            <a:r>
+              <a:rPr lang="th-TH" sz="2400" dirty="0">
+                <a:latin typeface="TH SarabunPSK" panose="020B0500040200020003" pitchFamily="34" charset="-34"/>
+                <a:cs typeface="TH SarabunPSK" panose="020B0500040200020003" pitchFamily="34" charset="-34"/>
+              </a:rPr>
+              <a:t>โดย ผศ</a:t>
+            </a:r>
+            <a:r>
+              <a:rPr lang="en-US" sz="2400" dirty="0">
+                <a:latin typeface="TH SarabunPSK" panose="020B0500040200020003" pitchFamily="34" charset="-34"/>
+                <a:cs typeface="TH SarabunPSK" panose="020B0500040200020003" pitchFamily="34" charset="-34"/>
+              </a:rPr>
+              <a:t>. </a:t>
+            </a:r>
+            <a:r>
+              <a:rPr lang="th-TH" sz="2400" dirty="0">
+                <a:latin typeface="TH SarabunPSK" panose="020B0500040200020003" pitchFamily="34" charset="-34"/>
+                <a:cs typeface="TH SarabunPSK" panose="020B0500040200020003" pitchFamily="34" charset="-34"/>
+              </a:rPr>
+              <a:t>ดร</a:t>
+            </a:r>
+            <a:r>
+              <a:rPr lang="en-US" sz="2400" dirty="0">
+                <a:latin typeface="TH SarabunPSK" panose="020B0500040200020003" pitchFamily="34" charset="-34"/>
+                <a:cs typeface="TH SarabunPSK" panose="020B0500040200020003" pitchFamily="34" charset="-34"/>
+              </a:rPr>
+              <a:t>.</a:t>
+            </a:r>
+            <a:r>
+              <a:rPr lang="th-TH" sz="2400" dirty="0">
+                <a:latin typeface="TH SarabunPSK" panose="020B0500040200020003" pitchFamily="34" charset="-34"/>
+                <a:cs typeface="TH SarabunPSK" panose="020B0500040200020003" pitchFamily="34" charset="-34"/>
+              </a:rPr>
+              <a:t>ธนพงศ์ อินทระ สาขาวิชาสถิติ มหาวิทยาลัยขอนแก่น </a:t>
+            </a:r>
+          </a:p>
+        </p:txBody>
+      </p:sp>
     </p:spTree>
     <p:extLst>
       <p:ext uri="{BB962C8B-B14F-4D97-AF65-F5344CB8AC3E}">
@@ -8134,6 +8474,73 @@
           </a:p>
         </p:txBody>
       </p:sp>
+      <p:sp>
+        <p:nvSpPr>
+          <p:cNvPr id="9" name="TextBox 8">
+            <a:extLst>
+              <a:ext uri="{FF2B5EF4-FFF2-40B4-BE49-F238E27FC236}">
+                <a16:creationId xmlns:a16="http://schemas.microsoft.com/office/drawing/2014/main" id="{029A530C-F9CC-D673-B134-E54573502EFE}"/>
+              </a:ext>
+            </a:extLst>
+          </p:cNvPr>
+          <p:cNvSpPr txBox="1"/>
+          <p:nvPr/>
+        </p:nvSpPr>
+        <p:spPr>
+          <a:xfrm>
+            <a:off x="114677" y="6172611"/>
+            <a:ext cx="5532120" cy="461665"/>
+          </a:xfrm>
+          <a:prstGeom prst="rect">
+            <a:avLst/>
+          </a:prstGeom>
+          <a:noFill/>
+        </p:spPr>
+        <p:txBody>
+          <a:bodyPr wrap="square">
+            <a:spAutoFit/>
+          </a:bodyPr>
+          <a:lstStyle/>
+          <a:p>
+            <a:pPr algn="l"/>
+            <a:r>
+              <a:rPr lang="th-TH" sz="2400" dirty="0">
+                <a:latin typeface="TH SarabunPSK" panose="020B0500040200020003" pitchFamily="34" charset="-34"/>
+                <a:cs typeface="TH SarabunPSK" panose="020B0500040200020003" pitchFamily="34" charset="-34"/>
+              </a:rPr>
+              <a:t>โดย ผศ</a:t>
+            </a:r>
+            <a:r>
+              <a:rPr lang="en-US" sz="2400" dirty="0">
+                <a:latin typeface="TH SarabunPSK" panose="020B0500040200020003" pitchFamily="34" charset="-34"/>
+                <a:cs typeface="TH SarabunPSK" panose="020B0500040200020003" pitchFamily="34" charset="-34"/>
+              </a:rPr>
+              <a:t>. </a:t>
+            </a:r>
+            <a:r>
+              <a:rPr lang="th-TH" sz="2400" dirty="0">
+                <a:latin typeface="TH SarabunPSK" panose="020B0500040200020003" pitchFamily="34" charset="-34"/>
+                <a:cs typeface="TH SarabunPSK" panose="020B0500040200020003" pitchFamily="34" charset="-34"/>
+              </a:rPr>
+              <a:t>ดร</a:t>
+            </a:r>
+            <a:r>
+              <a:rPr lang="en-US" sz="2400" dirty="0">
+                <a:latin typeface="TH SarabunPSK" panose="020B0500040200020003" pitchFamily="34" charset="-34"/>
+                <a:cs typeface="TH SarabunPSK" panose="020B0500040200020003" pitchFamily="34" charset="-34"/>
+              </a:rPr>
+              <a:t>.</a:t>
+            </a:r>
+            <a:r>
+              <a:rPr lang="th-TH" sz="2400" dirty="0">
+                <a:latin typeface="TH SarabunPSK" panose="020B0500040200020003" pitchFamily="34" charset="-34"/>
+                <a:cs typeface="TH SarabunPSK" panose="020B0500040200020003" pitchFamily="34" charset="-34"/>
+              </a:rPr>
+              <a:t>ธนพงศ์ อินทระ สาขาวิชาสถิติ มหาวิทยาลัยขอนแก่น </a:t>
+            </a:r>
+          </a:p>
+        </p:txBody>
+      </p:sp>
     </p:spTree>
     <p:extLst>
       <p:ext uri="{BB962C8B-B14F-4D97-AF65-F5344CB8AC3E}">
@@ -8635,6 +9042,73 @@
           </a:prstGeom>
         </p:spPr>
       </p:pic>
+      <p:sp>
+        <p:nvSpPr>
+          <p:cNvPr id="8" name="TextBox 7">
+            <a:extLst>
+              <a:ext uri="{FF2B5EF4-FFF2-40B4-BE49-F238E27FC236}">
+                <a16:creationId xmlns:a16="http://schemas.microsoft.com/office/drawing/2014/main" id="{98C799FA-7695-959A-19FB-C3C689F19955}"/>
+              </a:ext>
+            </a:extLst>
+          </p:cNvPr>
+          <p:cNvSpPr txBox="1"/>
+          <p:nvPr/>
+        </p:nvSpPr>
+        <p:spPr>
+          <a:xfrm>
+            <a:off x="114677" y="6172611"/>
+            <a:ext cx="5532120" cy="461665"/>
+          </a:xfrm>
+          <a:prstGeom prst="rect">
+            <a:avLst/>
+          </a:prstGeom>
+          <a:noFill/>
+        </p:spPr>
+        <p:txBody>
+          <a:bodyPr wrap="square">
+            <a:spAutoFit/>
+          </a:bodyPr>
+          <a:lstStyle/>
+          <a:p>
+            <a:pPr algn="l"/>
+            <a:r>
+              <a:rPr lang="th-TH" sz="2400" dirty="0">
+                <a:latin typeface="TH SarabunPSK" panose="020B0500040200020003" pitchFamily="34" charset="-34"/>
+                <a:cs typeface="TH SarabunPSK" panose="020B0500040200020003" pitchFamily="34" charset="-34"/>
+              </a:rPr>
+              <a:t>โดย ผศ</a:t>
+            </a:r>
+            <a:r>
+              <a:rPr lang="en-US" sz="2400" dirty="0">
+                <a:latin typeface="TH SarabunPSK" panose="020B0500040200020003" pitchFamily="34" charset="-34"/>
+                <a:cs typeface="TH SarabunPSK" panose="020B0500040200020003" pitchFamily="34" charset="-34"/>
+              </a:rPr>
+              <a:t>. </a:t>
+            </a:r>
+            <a:r>
+              <a:rPr lang="th-TH" sz="2400" dirty="0">
+                <a:latin typeface="TH SarabunPSK" panose="020B0500040200020003" pitchFamily="34" charset="-34"/>
+                <a:cs typeface="TH SarabunPSK" panose="020B0500040200020003" pitchFamily="34" charset="-34"/>
+              </a:rPr>
+              <a:t>ดร</a:t>
+            </a:r>
+            <a:r>
+              <a:rPr lang="en-US" sz="2400" dirty="0">
+                <a:latin typeface="TH SarabunPSK" panose="020B0500040200020003" pitchFamily="34" charset="-34"/>
+                <a:cs typeface="TH SarabunPSK" panose="020B0500040200020003" pitchFamily="34" charset="-34"/>
+              </a:rPr>
+              <a:t>.</a:t>
+            </a:r>
+            <a:r>
+              <a:rPr lang="th-TH" sz="2400" dirty="0">
+                <a:latin typeface="TH SarabunPSK" panose="020B0500040200020003" pitchFamily="34" charset="-34"/>
+                <a:cs typeface="TH SarabunPSK" panose="020B0500040200020003" pitchFamily="34" charset="-34"/>
+              </a:rPr>
+              <a:t>ธนพงศ์ อินทระ สาขาวิชาสถิติ มหาวิทยาลัยขอนแก่น </a:t>
+            </a:r>
+          </a:p>
+        </p:txBody>
+      </p:sp>
     </p:spTree>
     <p:extLst>
       <p:ext uri="{BB962C8B-B14F-4D97-AF65-F5344CB8AC3E}">
@@ -9287,6 +9761,73 @@
           </a:p>
         </p:txBody>
       </p:sp>
+      <p:sp>
+        <p:nvSpPr>
+          <p:cNvPr id="9" name="TextBox 8">
+            <a:extLst>
+              <a:ext uri="{FF2B5EF4-FFF2-40B4-BE49-F238E27FC236}">
+                <a16:creationId xmlns:a16="http://schemas.microsoft.com/office/drawing/2014/main" id="{B72DF64B-FA85-2C2B-1B83-AB013DE1D481}"/>
+              </a:ext>
+            </a:extLst>
+          </p:cNvPr>
+          <p:cNvSpPr txBox="1"/>
+          <p:nvPr/>
+        </p:nvSpPr>
+        <p:spPr>
+          <a:xfrm>
+            <a:off x="114677" y="6172611"/>
+            <a:ext cx="5532120" cy="461665"/>
+          </a:xfrm>
+          <a:prstGeom prst="rect">
+            <a:avLst/>
+          </a:prstGeom>
+          <a:noFill/>
+        </p:spPr>
+        <p:txBody>
+          <a:bodyPr wrap="square">
+            <a:spAutoFit/>
+          </a:bodyPr>
+          <a:lstStyle/>
+          <a:p>
+            <a:pPr algn="l"/>
+            <a:r>
+              <a:rPr lang="th-TH" sz="2400" dirty="0">
+                <a:latin typeface="TH SarabunPSK" panose="020B0500040200020003" pitchFamily="34" charset="-34"/>
+                <a:cs typeface="TH SarabunPSK" panose="020B0500040200020003" pitchFamily="34" charset="-34"/>
+              </a:rPr>
+              <a:t>โดย ผศ</a:t>
+            </a:r>
+            <a:r>
+              <a:rPr lang="en-US" sz="2400" dirty="0">
+                <a:latin typeface="TH SarabunPSK" panose="020B0500040200020003" pitchFamily="34" charset="-34"/>
+                <a:cs typeface="TH SarabunPSK" panose="020B0500040200020003" pitchFamily="34" charset="-34"/>
+              </a:rPr>
+              <a:t>. </a:t>
+            </a:r>
+            <a:r>
+              <a:rPr lang="th-TH" sz="2400" dirty="0">
+                <a:latin typeface="TH SarabunPSK" panose="020B0500040200020003" pitchFamily="34" charset="-34"/>
+                <a:cs typeface="TH SarabunPSK" panose="020B0500040200020003" pitchFamily="34" charset="-34"/>
+              </a:rPr>
+              <a:t>ดร</a:t>
+            </a:r>
+            <a:r>
+              <a:rPr lang="en-US" sz="2400" dirty="0">
+                <a:latin typeface="TH SarabunPSK" panose="020B0500040200020003" pitchFamily="34" charset="-34"/>
+                <a:cs typeface="TH SarabunPSK" panose="020B0500040200020003" pitchFamily="34" charset="-34"/>
+              </a:rPr>
+              <a:t>.</a:t>
+            </a:r>
+            <a:r>
+              <a:rPr lang="th-TH" sz="2400" dirty="0">
+                <a:latin typeface="TH SarabunPSK" panose="020B0500040200020003" pitchFamily="34" charset="-34"/>
+                <a:cs typeface="TH SarabunPSK" panose="020B0500040200020003" pitchFamily="34" charset="-34"/>
+              </a:rPr>
+              <a:t>ธนพงศ์ อินทระ สาขาวิชาสถิติ มหาวิทยาลัยขอนแก่น </a:t>
+            </a:r>
+          </a:p>
+        </p:txBody>
+      </p:sp>
     </p:spTree>
     <p:extLst>
       <p:ext uri="{BB962C8B-B14F-4D97-AF65-F5344CB8AC3E}">
@@ -10055,6 +10596,73 @@
           </a:p>
         </p:txBody>
       </p:sp>
+      <p:sp>
+        <p:nvSpPr>
+          <p:cNvPr id="9" name="TextBox 8">
+            <a:extLst>
+              <a:ext uri="{FF2B5EF4-FFF2-40B4-BE49-F238E27FC236}">
+                <a16:creationId xmlns:a16="http://schemas.microsoft.com/office/drawing/2014/main" id="{8FB97190-ABEE-2EB0-59C2-3FC727D0917C}"/>
+              </a:ext>
+            </a:extLst>
+          </p:cNvPr>
+          <p:cNvSpPr txBox="1"/>
+          <p:nvPr/>
+        </p:nvSpPr>
+        <p:spPr>
+          <a:xfrm>
+            <a:off x="114677" y="6172611"/>
+            <a:ext cx="5532120" cy="461665"/>
+          </a:xfrm>
+          <a:prstGeom prst="rect">
+            <a:avLst/>
+          </a:prstGeom>
+          <a:noFill/>
+        </p:spPr>
+        <p:txBody>
+          <a:bodyPr wrap="square">
+            <a:spAutoFit/>
+          </a:bodyPr>
+          <a:lstStyle/>
+          <a:p>
+            <a:pPr algn="l"/>
+            <a:r>
+              <a:rPr lang="th-TH" sz="2400" dirty="0">
+                <a:latin typeface="TH SarabunPSK" panose="020B0500040200020003" pitchFamily="34" charset="-34"/>
+                <a:cs typeface="TH SarabunPSK" panose="020B0500040200020003" pitchFamily="34" charset="-34"/>
+              </a:rPr>
+              <a:t>โดย ผศ</a:t>
+            </a:r>
+            <a:r>
+              <a:rPr lang="en-US" sz="2400" dirty="0">
+                <a:latin typeface="TH SarabunPSK" panose="020B0500040200020003" pitchFamily="34" charset="-34"/>
+                <a:cs typeface="TH SarabunPSK" panose="020B0500040200020003" pitchFamily="34" charset="-34"/>
+              </a:rPr>
+              <a:t>. </a:t>
+            </a:r>
+            <a:r>
+              <a:rPr lang="th-TH" sz="2400" dirty="0">
+                <a:latin typeface="TH SarabunPSK" panose="020B0500040200020003" pitchFamily="34" charset="-34"/>
+                <a:cs typeface="TH SarabunPSK" panose="020B0500040200020003" pitchFamily="34" charset="-34"/>
+              </a:rPr>
+              <a:t>ดร</a:t>
+            </a:r>
+            <a:r>
+              <a:rPr lang="en-US" sz="2400" dirty="0">
+                <a:latin typeface="TH SarabunPSK" panose="020B0500040200020003" pitchFamily="34" charset="-34"/>
+                <a:cs typeface="TH SarabunPSK" panose="020B0500040200020003" pitchFamily="34" charset="-34"/>
+              </a:rPr>
+              <a:t>.</a:t>
+            </a:r>
+            <a:r>
+              <a:rPr lang="th-TH" sz="2400" dirty="0">
+                <a:latin typeface="TH SarabunPSK" panose="020B0500040200020003" pitchFamily="34" charset="-34"/>
+                <a:cs typeface="TH SarabunPSK" panose="020B0500040200020003" pitchFamily="34" charset="-34"/>
+              </a:rPr>
+              <a:t>ธนพงศ์ อินทระ สาขาวิชาสถิติ มหาวิทยาลัยขอนแก่น </a:t>
+            </a:r>
+          </a:p>
+        </p:txBody>
+      </p:sp>
     </p:spTree>
     <p:extLst>
       <p:ext uri="{BB962C8B-B14F-4D97-AF65-F5344CB8AC3E}">
@@ -10900,6 +11508,73 @@
           </a:p>
         </p:txBody>
       </p:sp>
+      <p:sp>
+        <p:nvSpPr>
+          <p:cNvPr id="9" name="TextBox 8">
+            <a:extLst>
+              <a:ext uri="{FF2B5EF4-FFF2-40B4-BE49-F238E27FC236}">
+                <a16:creationId xmlns:a16="http://schemas.microsoft.com/office/drawing/2014/main" id="{A57451BD-CCAC-C42A-F1E9-8A9148CF68F1}"/>
+              </a:ext>
+            </a:extLst>
+          </p:cNvPr>
+          <p:cNvSpPr txBox="1"/>
+          <p:nvPr/>
+        </p:nvSpPr>
+        <p:spPr>
+          <a:xfrm>
+            <a:off x="114677" y="6172611"/>
+            <a:ext cx="5532120" cy="461665"/>
+          </a:xfrm>
+          <a:prstGeom prst="rect">
+            <a:avLst/>
+          </a:prstGeom>
+          <a:noFill/>
+        </p:spPr>
+        <p:txBody>
+          <a:bodyPr wrap="square">
+            <a:spAutoFit/>
+          </a:bodyPr>
+          <a:lstStyle/>
+          <a:p>
+            <a:pPr algn="l"/>
+            <a:r>
+              <a:rPr lang="th-TH" sz="2400" dirty="0">
+                <a:latin typeface="TH SarabunPSK" panose="020B0500040200020003" pitchFamily="34" charset="-34"/>
+                <a:cs typeface="TH SarabunPSK" panose="020B0500040200020003" pitchFamily="34" charset="-34"/>
+              </a:rPr>
+              <a:t>โดย ผศ</a:t>
+            </a:r>
+            <a:r>
+              <a:rPr lang="en-US" sz="2400" dirty="0">
+                <a:latin typeface="TH SarabunPSK" panose="020B0500040200020003" pitchFamily="34" charset="-34"/>
+                <a:cs typeface="TH SarabunPSK" panose="020B0500040200020003" pitchFamily="34" charset="-34"/>
+              </a:rPr>
+              <a:t>. </a:t>
+            </a:r>
+            <a:r>
+              <a:rPr lang="th-TH" sz="2400" dirty="0">
+                <a:latin typeface="TH SarabunPSK" panose="020B0500040200020003" pitchFamily="34" charset="-34"/>
+                <a:cs typeface="TH SarabunPSK" panose="020B0500040200020003" pitchFamily="34" charset="-34"/>
+              </a:rPr>
+              <a:t>ดร</a:t>
+            </a:r>
+            <a:r>
+              <a:rPr lang="en-US" sz="2400" dirty="0">
+                <a:latin typeface="TH SarabunPSK" panose="020B0500040200020003" pitchFamily="34" charset="-34"/>
+                <a:cs typeface="TH SarabunPSK" panose="020B0500040200020003" pitchFamily="34" charset="-34"/>
+              </a:rPr>
+              <a:t>.</a:t>
+            </a:r>
+            <a:r>
+              <a:rPr lang="th-TH" sz="2400" dirty="0">
+                <a:latin typeface="TH SarabunPSK" panose="020B0500040200020003" pitchFamily="34" charset="-34"/>
+                <a:cs typeface="TH SarabunPSK" panose="020B0500040200020003" pitchFamily="34" charset="-34"/>
+              </a:rPr>
+              <a:t>ธนพงศ์ อินทระ สาขาวิชาสถิติ มหาวิทยาลัยขอนแก่น </a:t>
+            </a:r>
+          </a:p>
+        </p:txBody>
+      </p:sp>
     </p:spTree>
     <p:extLst>
       <p:ext uri="{BB962C8B-B14F-4D97-AF65-F5344CB8AC3E}">
@@ -11559,6 +12234,73 @@
           </a:p>
         </p:txBody>
       </p:sp>
+      <p:sp>
+        <p:nvSpPr>
+          <p:cNvPr id="9" name="TextBox 8">
+            <a:extLst>
+              <a:ext uri="{FF2B5EF4-FFF2-40B4-BE49-F238E27FC236}">
+                <a16:creationId xmlns:a16="http://schemas.microsoft.com/office/drawing/2014/main" id="{F2454F88-CC7C-0326-8E4C-A056EFAF100A}"/>
+              </a:ext>
+            </a:extLst>
+          </p:cNvPr>
+          <p:cNvSpPr txBox="1"/>
+          <p:nvPr/>
+        </p:nvSpPr>
+        <p:spPr>
+          <a:xfrm>
+            <a:off x="114677" y="6172611"/>
+            <a:ext cx="5532120" cy="461665"/>
+          </a:xfrm>
+          <a:prstGeom prst="rect">
+            <a:avLst/>
+          </a:prstGeom>
+          <a:noFill/>
+        </p:spPr>
+        <p:txBody>
+          <a:bodyPr wrap="square">
+            <a:spAutoFit/>
+          </a:bodyPr>
+          <a:lstStyle/>
+          <a:p>
+            <a:pPr algn="l"/>
+            <a:r>
+              <a:rPr lang="th-TH" sz="2400" dirty="0">
+                <a:latin typeface="TH SarabunPSK" panose="020B0500040200020003" pitchFamily="34" charset="-34"/>
+                <a:cs typeface="TH SarabunPSK" panose="020B0500040200020003" pitchFamily="34" charset="-34"/>
+              </a:rPr>
+              <a:t>โดย ผศ</a:t>
+            </a:r>
+            <a:r>
+              <a:rPr lang="en-US" sz="2400" dirty="0">
+                <a:latin typeface="TH SarabunPSK" panose="020B0500040200020003" pitchFamily="34" charset="-34"/>
+                <a:cs typeface="TH SarabunPSK" panose="020B0500040200020003" pitchFamily="34" charset="-34"/>
+              </a:rPr>
+              <a:t>. </a:t>
+            </a:r>
+            <a:r>
+              <a:rPr lang="th-TH" sz="2400" dirty="0">
+                <a:latin typeface="TH SarabunPSK" panose="020B0500040200020003" pitchFamily="34" charset="-34"/>
+                <a:cs typeface="TH SarabunPSK" panose="020B0500040200020003" pitchFamily="34" charset="-34"/>
+              </a:rPr>
+              <a:t>ดร</a:t>
+            </a:r>
+            <a:r>
+              <a:rPr lang="en-US" sz="2400" dirty="0">
+                <a:latin typeface="TH SarabunPSK" panose="020B0500040200020003" pitchFamily="34" charset="-34"/>
+                <a:cs typeface="TH SarabunPSK" panose="020B0500040200020003" pitchFamily="34" charset="-34"/>
+              </a:rPr>
+              <a:t>.</a:t>
+            </a:r>
+            <a:r>
+              <a:rPr lang="th-TH" sz="2400" dirty="0">
+                <a:latin typeface="TH SarabunPSK" panose="020B0500040200020003" pitchFamily="34" charset="-34"/>
+                <a:cs typeface="TH SarabunPSK" panose="020B0500040200020003" pitchFamily="34" charset="-34"/>
+              </a:rPr>
+              <a:t>ธนพงศ์ อินทระ สาขาวิชาสถิติ มหาวิทยาลัยขอนแก่น </a:t>
+            </a:r>
+          </a:p>
+        </p:txBody>
+      </p:sp>
     </p:spTree>
     <p:extLst>
       <p:ext uri="{BB962C8B-B14F-4D97-AF65-F5344CB8AC3E}">
@@ -12361,6 +13103,73 @@
           </a:p>
         </p:txBody>
       </p:sp>
+      <p:sp>
+        <p:nvSpPr>
+          <p:cNvPr id="9" name="TextBox 8">
+            <a:extLst>
+              <a:ext uri="{FF2B5EF4-FFF2-40B4-BE49-F238E27FC236}">
+                <a16:creationId xmlns:a16="http://schemas.microsoft.com/office/drawing/2014/main" id="{B024E6C8-A077-1336-F761-3CDA804476C5}"/>
+              </a:ext>
+            </a:extLst>
+          </p:cNvPr>
+          <p:cNvSpPr txBox="1"/>
+          <p:nvPr/>
+        </p:nvSpPr>
+        <p:spPr>
+          <a:xfrm>
+            <a:off x="114677" y="6172611"/>
+            <a:ext cx="5532120" cy="461665"/>
+          </a:xfrm>
+          <a:prstGeom prst="rect">
+            <a:avLst/>
+          </a:prstGeom>
+          <a:noFill/>
+        </p:spPr>
+        <p:txBody>
+          <a:bodyPr wrap="square">
+            <a:spAutoFit/>
+          </a:bodyPr>
+          <a:lstStyle/>
+          <a:p>
+            <a:pPr algn="l"/>
+            <a:r>
+              <a:rPr lang="th-TH" sz="2400" dirty="0">
+                <a:latin typeface="TH SarabunPSK" panose="020B0500040200020003" pitchFamily="34" charset="-34"/>
+                <a:cs typeface="TH SarabunPSK" panose="020B0500040200020003" pitchFamily="34" charset="-34"/>
+              </a:rPr>
+              <a:t>โดย ผศ</a:t>
+            </a:r>
+            <a:r>
+              <a:rPr lang="en-US" sz="2400" dirty="0">
+                <a:latin typeface="TH SarabunPSK" panose="020B0500040200020003" pitchFamily="34" charset="-34"/>
+                <a:cs typeface="TH SarabunPSK" panose="020B0500040200020003" pitchFamily="34" charset="-34"/>
+              </a:rPr>
+              <a:t>. </a:t>
+            </a:r>
+            <a:r>
+              <a:rPr lang="th-TH" sz="2400" dirty="0">
+                <a:latin typeface="TH SarabunPSK" panose="020B0500040200020003" pitchFamily="34" charset="-34"/>
+                <a:cs typeface="TH SarabunPSK" panose="020B0500040200020003" pitchFamily="34" charset="-34"/>
+              </a:rPr>
+              <a:t>ดร</a:t>
+            </a:r>
+            <a:r>
+              <a:rPr lang="en-US" sz="2400" dirty="0">
+                <a:latin typeface="TH SarabunPSK" panose="020B0500040200020003" pitchFamily="34" charset="-34"/>
+                <a:cs typeface="TH SarabunPSK" panose="020B0500040200020003" pitchFamily="34" charset="-34"/>
+              </a:rPr>
+              <a:t>.</a:t>
+            </a:r>
+            <a:r>
+              <a:rPr lang="th-TH" sz="2400" dirty="0">
+                <a:latin typeface="TH SarabunPSK" panose="020B0500040200020003" pitchFamily="34" charset="-34"/>
+                <a:cs typeface="TH SarabunPSK" panose="020B0500040200020003" pitchFamily="34" charset="-34"/>
+              </a:rPr>
+              <a:t>ธนพงศ์ อินทระ สาขาวิชาสถิติ มหาวิทยาลัยขอนแก่น </a:t>
+            </a:r>
+          </a:p>
+        </p:txBody>
+      </p:sp>
     </p:spTree>
     <p:extLst>
       <p:ext uri="{BB962C8B-B14F-4D97-AF65-F5344CB8AC3E}">
@@ -12862,6 +13671,73 @@
           </a:prstGeom>
         </p:spPr>
       </p:pic>
+      <p:sp>
+        <p:nvSpPr>
+          <p:cNvPr id="9" name="TextBox 8">
+            <a:extLst>
+              <a:ext uri="{FF2B5EF4-FFF2-40B4-BE49-F238E27FC236}">
+                <a16:creationId xmlns:a16="http://schemas.microsoft.com/office/drawing/2014/main" id="{40ED594E-1F7F-3733-8031-B29C6F85DB8F}"/>
+              </a:ext>
+            </a:extLst>
+          </p:cNvPr>
+          <p:cNvSpPr txBox="1"/>
+          <p:nvPr/>
+        </p:nvSpPr>
+        <p:spPr>
+          <a:xfrm>
+            <a:off x="114677" y="6172611"/>
+            <a:ext cx="5532120" cy="461665"/>
+          </a:xfrm>
+          <a:prstGeom prst="rect">
+            <a:avLst/>
+          </a:prstGeom>
+          <a:noFill/>
+        </p:spPr>
+        <p:txBody>
+          <a:bodyPr wrap="square">
+            <a:spAutoFit/>
+          </a:bodyPr>
+          <a:lstStyle/>
+          <a:p>
+            <a:pPr algn="l"/>
+            <a:r>
+              <a:rPr lang="th-TH" sz="2400" dirty="0">
+                <a:latin typeface="TH SarabunPSK" panose="020B0500040200020003" pitchFamily="34" charset="-34"/>
+                <a:cs typeface="TH SarabunPSK" panose="020B0500040200020003" pitchFamily="34" charset="-34"/>
+              </a:rPr>
+              <a:t>โดย ผศ</a:t>
+            </a:r>
+            <a:r>
+              <a:rPr lang="en-US" sz="2400" dirty="0">
+                <a:latin typeface="TH SarabunPSK" panose="020B0500040200020003" pitchFamily="34" charset="-34"/>
+                <a:cs typeface="TH SarabunPSK" panose="020B0500040200020003" pitchFamily="34" charset="-34"/>
+              </a:rPr>
+              <a:t>. </a:t>
+            </a:r>
+            <a:r>
+              <a:rPr lang="th-TH" sz="2400" dirty="0">
+                <a:latin typeface="TH SarabunPSK" panose="020B0500040200020003" pitchFamily="34" charset="-34"/>
+                <a:cs typeface="TH SarabunPSK" panose="020B0500040200020003" pitchFamily="34" charset="-34"/>
+              </a:rPr>
+              <a:t>ดร</a:t>
+            </a:r>
+            <a:r>
+              <a:rPr lang="en-US" sz="2400" dirty="0">
+                <a:latin typeface="TH SarabunPSK" panose="020B0500040200020003" pitchFamily="34" charset="-34"/>
+                <a:cs typeface="TH SarabunPSK" panose="020B0500040200020003" pitchFamily="34" charset="-34"/>
+              </a:rPr>
+              <a:t>.</a:t>
+            </a:r>
+            <a:r>
+              <a:rPr lang="th-TH" sz="2400" dirty="0">
+                <a:latin typeface="TH SarabunPSK" panose="020B0500040200020003" pitchFamily="34" charset="-34"/>
+                <a:cs typeface="TH SarabunPSK" panose="020B0500040200020003" pitchFamily="34" charset="-34"/>
+              </a:rPr>
+              <a:t>ธนพงศ์ อินทระ สาขาวิชาสถิติ มหาวิทยาลัยขอนแก่น </a:t>
+            </a:r>
+          </a:p>
+        </p:txBody>
+      </p:sp>
     </p:spTree>
     <p:extLst>
       <p:ext uri="{BB962C8B-B14F-4D97-AF65-F5344CB8AC3E}">
@@ -13687,6 +14563,73 @@
           </a:p>
         </p:txBody>
       </p:sp>
+      <p:sp>
+        <p:nvSpPr>
+          <p:cNvPr id="9" name="TextBox 8">
+            <a:extLst>
+              <a:ext uri="{FF2B5EF4-FFF2-40B4-BE49-F238E27FC236}">
+                <a16:creationId xmlns:a16="http://schemas.microsoft.com/office/drawing/2014/main" id="{771DA4DD-8F80-0C26-194C-429C097B208A}"/>
+              </a:ext>
+            </a:extLst>
+          </p:cNvPr>
+          <p:cNvSpPr txBox="1"/>
+          <p:nvPr/>
+        </p:nvSpPr>
+        <p:spPr>
+          <a:xfrm>
+            <a:off x="114677" y="6172611"/>
+            <a:ext cx="5532120" cy="461665"/>
+          </a:xfrm>
+          <a:prstGeom prst="rect">
+            <a:avLst/>
+          </a:prstGeom>
+          <a:noFill/>
+        </p:spPr>
+        <p:txBody>
+          <a:bodyPr wrap="square">
+            <a:spAutoFit/>
+          </a:bodyPr>
+          <a:lstStyle/>
+          <a:p>
+            <a:pPr algn="l"/>
+            <a:r>
+              <a:rPr lang="th-TH" sz="2400" dirty="0">
+                <a:latin typeface="TH SarabunPSK" panose="020B0500040200020003" pitchFamily="34" charset="-34"/>
+                <a:cs typeface="TH SarabunPSK" panose="020B0500040200020003" pitchFamily="34" charset="-34"/>
+              </a:rPr>
+              <a:t>โดย ผศ</a:t>
+            </a:r>
+            <a:r>
+              <a:rPr lang="en-US" sz="2400" dirty="0">
+                <a:latin typeface="TH SarabunPSK" panose="020B0500040200020003" pitchFamily="34" charset="-34"/>
+                <a:cs typeface="TH SarabunPSK" panose="020B0500040200020003" pitchFamily="34" charset="-34"/>
+              </a:rPr>
+              <a:t>. </a:t>
+            </a:r>
+            <a:r>
+              <a:rPr lang="th-TH" sz="2400" dirty="0">
+                <a:latin typeface="TH SarabunPSK" panose="020B0500040200020003" pitchFamily="34" charset="-34"/>
+                <a:cs typeface="TH SarabunPSK" panose="020B0500040200020003" pitchFamily="34" charset="-34"/>
+              </a:rPr>
+              <a:t>ดร</a:t>
+            </a:r>
+            <a:r>
+              <a:rPr lang="en-US" sz="2400" dirty="0">
+                <a:latin typeface="TH SarabunPSK" panose="020B0500040200020003" pitchFamily="34" charset="-34"/>
+                <a:cs typeface="TH SarabunPSK" panose="020B0500040200020003" pitchFamily="34" charset="-34"/>
+              </a:rPr>
+              <a:t>.</a:t>
+            </a:r>
+            <a:r>
+              <a:rPr lang="th-TH" sz="2400" dirty="0">
+                <a:latin typeface="TH SarabunPSK" panose="020B0500040200020003" pitchFamily="34" charset="-34"/>
+                <a:cs typeface="TH SarabunPSK" panose="020B0500040200020003" pitchFamily="34" charset="-34"/>
+              </a:rPr>
+              <a:t>ธนพงศ์ อินทระ สาขาวิชาสถิติ มหาวิทยาลัยขอนแก่น </a:t>
+            </a:r>
+          </a:p>
+        </p:txBody>
+      </p:sp>
     </p:spTree>
     <p:extLst>
       <p:ext uri="{BB962C8B-B14F-4D97-AF65-F5344CB8AC3E}">
@@ -14175,6 +15118,73 @@
           </a:p>
         </p:txBody>
       </p:sp>
+      <p:sp>
+        <p:nvSpPr>
+          <p:cNvPr id="9" name="TextBox 8">
+            <a:extLst>
+              <a:ext uri="{FF2B5EF4-FFF2-40B4-BE49-F238E27FC236}">
+                <a16:creationId xmlns:a16="http://schemas.microsoft.com/office/drawing/2014/main" id="{2C9DEA66-B707-82BB-1B47-FCFFB6209173}"/>
+              </a:ext>
+            </a:extLst>
+          </p:cNvPr>
+          <p:cNvSpPr txBox="1"/>
+          <p:nvPr/>
+        </p:nvSpPr>
+        <p:spPr>
+          <a:xfrm>
+            <a:off x="114677" y="6172611"/>
+            <a:ext cx="5532120" cy="461665"/>
+          </a:xfrm>
+          <a:prstGeom prst="rect">
+            <a:avLst/>
+          </a:prstGeom>
+          <a:noFill/>
+        </p:spPr>
+        <p:txBody>
+          <a:bodyPr wrap="square">
+            <a:spAutoFit/>
+          </a:bodyPr>
+          <a:lstStyle/>
+          <a:p>
+            <a:pPr algn="l"/>
+            <a:r>
+              <a:rPr lang="th-TH" sz="2400" dirty="0">
+                <a:latin typeface="TH SarabunPSK" panose="020B0500040200020003" pitchFamily="34" charset="-34"/>
+                <a:cs typeface="TH SarabunPSK" panose="020B0500040200020003" pitchFamily="34" charset="-34"/>
+              </a:rPr>
+              <a:t>โดย ผศ</a:t>
+            </a:r>
+            <a:r>
+              <a:rPr lang="en-US" sz="2400" dirty="0">
+                <a:latin typeface="TH SarabunPSK" panose="020B0500040200020003" pitchFamily="34" charset="-34"/>
+                <a:cs typeface="TH SarabunPSK" panose="020B0500040200020003" pitchFamily="34" charset="-34"/>
+              </a:rPr>
+              <a:t>. </a:t>
+            </a:r>
+            <a:r>
+              <a:rPr lang="th-TH" sz="2400" dirty="0">
+                <a:latin typeface="TH SarabunPSK" panose="020B0500040200020003" pitchFamily="34" charset="-34"/>
+                <a:cs typeface="TH SarabunPSK" panose="020B0500040200020003" pitchFamily="34" charset="-34"/>
+              </a:rPr>
+              <a:t>ดร</a:t>
+            </a:r>
+            <a:r>
+              <a:rPr lang="en-US" sz="2400" dirty="0">
+                <a:latin typeface="TH SarabunPSK" panose="020B0500040200020003" pitchFamily="34" charset="-34"/>
+                <a:cs typeface="TH SarabunPSK" panose="020B0500040200020003" pitchFamily="34" charset="-34"/>
+              </a:rPr>
+              <a:t>.</a:t>
+            </a:r>
+            <a:r>
+              <a:rPr lang="th-TH" sz="2400" dirty="0">
+                <a:latin typeface="TH SarabunPSK" panose="020B0500040200020003" pitchFamily="34" charset="-34"/>
+                <a:cs typeface="TH SarabunPSK" panose="020B0500040200020003" pitchFamily="34" charset="-34"/>
+              </a:rPr>
+              <a:t>ธนพงศ์ อินทระ สาขาวิชาสถิติ มหาวิทยาลัยขอนแก่น </a:t>
+            </a:r>
+          </a:p>
+        </p:txBody>
+      </p:sp>
     </p:spTree>
     <p:extLst>
       <p:ext uri="{BB962C8B-B14F-4D97-AF65-F5344CB8AC3E}">
@@ -14838,6 +15848,73 @@
           </a:prstGeom>
         </p:spPr>
       </p:pic>
+      <p:sp>
+        <p:nvSpPr>
+          <p:cNvPr id="10" name="TextBox 9">
+            <a:extLst>
+              <a:ext uri="{FF2B5EF4-FFF2-40B4-BE49-F238E27FC236}">
+                <a16:creationId xmlns:a16="http://schemas.microsoft.com/office/drawing/2014/main" id="{824F399C-6457-A978-8F48-9209FF7E6C89}"/>
+              </a:ext>
+            </a:extLst>
+          </p:cNvPr>
+          <p:cNvSpPr txBox="1"/>
+          <p:nvPr/>
+        </p:nvSpPr>
+        <p:spPr>
+          <a:xfrm>
+            <a:off x="114677" y="6172611"/>
+            <a:ext cx="5532120" cy="461665"/>
+          </a:xfrm>
+          <a:prstGeom prst="rect">
+            <a:avLst/>
+          </a:prstGeom>
+          <a:noFill/>
+        </p:spPr>
+        <p:txBody>
+          <a:bodyPr wrap="square">
+            <a:spAutoFit/>
+          </a:bodyPr>
+          <a:lstStyle/>
+          <a:p>
+            <a:pPr algn="l"/>
+            <a:r>
+              <a:rPr lang="th-TH" sz="2400" dirty="0">
+                <a:latin typeface="TH SarabunPSK" panose="020B0500040200020003" pitchFamily="34" charset="-34"/>
+                <a:cs typeface="TH SarabunPSK" panose="020B0500040200020003" pitchFamily="34" charset="-34"/>
+              </a:rPr>
+              <a:t>โดย ผศ</a:t>
+            </a:r>
+            <a:r>
+              <a:rPr lang="en-US" sz="2400" dirty="0">
+                <a:latin typeface="TH SarabunPSK" panose="020B0500040200020003" pitchFamily="34" charset="-34"/>
+                <a:cs typeface="TH SarabunPSK" panose="020B0500040200020003" pitchFamily="34" charset="-34"/>
+              </a:rPr>
+              <a:t>. </a:t>
+            </a:r>
+            <a:r>
+              <a:rPr lang="th-TH" sz="2400" dirty="0">
+                <a:latin typeface="TH SarabunPSK" panose="020B0500040200020003" pitchFamily="34" charset="-34"/>
+                <a:cs typeface="TH SarabunPSK" panose="020B0500040200020003" pitchFamily="34" charset="-34"/>
+              </a:rPr>
+              <a:t>ดร</a:t>
+            </a:r>
+            <a:r>
+              <a:rPr lang="en-US" sz="2400" dirty="0">
+                <a:latin typeface="TH SarabunPSK" panose="020B0500040200020003" pitchFamily="34" charset="-34"/>
+                <a:cs typeface="TH SarabunPSK" panose="020B0500040200020003" pitchFamily="34" charset="-34"/>
+              </a:rPr>
+              <a:t>.</a:t>
+            </a:r>
+            <a:r>
+              <a:rPr lang="th-TH" sz="2400" dirty="0">
+                <a:latin typeface="TH SarabunPSK" panose="020B0500040200020003" pitchFamily="34" charset="-34"/>
+                <a:cs typeface="TH SarabunPSK" panose="020B0500040200020003" pitchFamily="34" charset="-34"/>
+              </a:rPr>
+              <a:t>ธนพงศ์ อินทระ สาขาวิชาสถิติ มหาวิทยาลัยขอนแก่น </a:t>
+            </a:r>
+          </a:p>
+        </p:txBody>
+      </p:sp>
     </p:spTree>
     <p:extLst>
       <p:ext uri="{BB962C8B-B14F-4D97-AF65-F5344CB8AC3E}">
@@ -15609,6 +16686,73 @@
           </a:p>
         </p:txBody>
       </p:sp>
+      <p:sp>
+        <p:nvSpPr>
+          <p:cNvPr id="9" name="TextBox 8">
+            <a:extLst>
+              <a:ext uri="{FF2B5EF4-FFF2-40B4-BE49-F238E27FC236}">
+                <a16:creationId xmlns:a16="http://schemas.microsoft.com/office/drawing/2014/main" id="{38E62147-BAD5-AD67-065E-0A0699292EE6}"/>
+              </a:ext>
+            </a:extLst>
+          </p:cNvPr>
+          <p:cNvSpPr txBox="1"/>
+          <p:nvPr/>
+        </p:nvSpPr>
+        <p:spPr>
+          <a:xfrm>
+            <a:off x="114677" y="6172611"/>
+            <a:ext cx="5532120" cy="461665"/>
+          </a:xfrm>
+          <a:prstGeom prst="rect">
+            <a:avLst/>
+          </a:prstGeom>
+          <a:noFill/>
+        </p:spPr>
+        <p:txBody>
+          <a:bodyPr wrap="square">
+            <a:spAutoFit/>
+          </a:bodyPr>
+          <a:lstStyle/>
+          <a:p>
+            <a:pPr algn="l"/>
+            <a:r>
+              <a:rPr lang="th-TH" sz="2400" dirty="0">
+                <a:latin typeface="TH SarabunPSK" panose="020B0500040200020003" pitchFamily="34" charset="-34"/>
+                <a:cs typeface="TH SarabunPSK" panose="020B0500040200020003" pitchFamily="34" charset="-34"/>
+              </a:rPr>
+              <a:t>โดย ผศ</a:t>
+            </a:r>
+            <a:r>
+              <a:rPr lang="en-US" sz="2400" dirty="0">
+                <a:latin typeface="TH SarabunPSK" panose="020B0500040200020003" pitchFamily="34" charset="-34"/>
+                <a:cs typeface="TH SarabunPSK" panose="020B0500040200020003" pitchFamily="34" charset="-34"/>
+              </a:rPr>
+              <a:t>. </a:t>
+            </a:r>
+            <a:r>
+              <a:rPr lang="th-TH" sz="2400" dirty="0">
+                <a:latin typeface="TH SarabunPSK" panose="020B0500040200020003" pitchFamily="34" charset="-34"/>
+                <a:cs typeface="TH SarabunPSK" panose="020B0500040200020003" pitchFamily="34" charset="-34"/>
+              </a:rPr>
+              <a:t>ดร</a:t>
+            </a:r>
+            <a:r>
+              <a:rPr lang="en-US" sz="2400" dirty="0">
+                <a:latin typeface="TH SarabunPSK" panose="020B0500040200020003" pitchFamily="34" charset="-34"/>
+                <a:cs typeface="TH SarabunPSK" panose="020B0500040200020003" pitchFamily="34" charset="-34"/>
+              </a:rPr>
+              <a:t>.</a:t>
+            </a:r>
+            <a:r>
+              <a:rPr lang="th-TH" sz="2400" dirty="0">
+                <a:latin typeface="TH SarabunPSK" panose="020B0500040200020003" pitchFamily="34" charset="-34"/>
+                <a:cs typeface="TH SarabunPSK" panose="020B0500040200020003" pitchFamily="34" charset="-34"/>
+              </a:rPr>
+              <a:t>ธนพงศ์ อินทระ สาขาวิชาสถิติ มหาวิทยาลัยขอนแก่น </a:t>
+            </a:r>
+          </a:p>
+        </p:txBody>
+      </p:sp>
     </p:spTree>
     <p:extLst>
       <p:ext uri="{BB962C8B-B14F-4D97-AF65-F5344CB8AC3E}">
@@ -17289,6 +18433,73 @@
           </a:p>
         </p:txBody>
       </p:sp>
+      <p:sp>
+        <p:nvSpPr>
+          <p:cNvPr id="9" name="TextBox 8">
+            <a:extLst>
+              <a:ext uri="{FF2B5EF4-FFF2-40B4-BE49-F238E27FC236}">
+                <a16:creationId xmlns:a16="http://schemas.microsoft.com/office/drawing/2014/main" id="{0CB5931B-6444-E325-AE0D-4274D5A7B91E}"/>
+              </a:ext>
+            </a:extLst>
+          </p:cNvPr>
+          <p:cNvSpPr txBox="1"/>
+          <p:nvPr/>
+        </p:nvSpPr>
+        <p:spPr>
+          <a:xfrm>
+            <a:off x="114677" y="6172611"/>
+            <a:ext cx="5532120" cy="461665"/>
+          </a:xfrm>
+          <a:prstGeom prst="rect">
+            <a:avLst/>
+          </a:prstGeom>
+          <a:noFill/>
+        </p:spPr>
+        <p:txBody>
+          <a:bodyPr wrap="square">
+            <a:spAutoFit/>
+          </a:bodyPr>
+          <a:lstStyle/>
+          <a:p>
+            <a:pPr algn="l"/>
+            <a:r>
+              <a:rPr lang="th-TH" sz="2400" dirty="0">
+                <a:latin typeface="TH SarabunPSK" panose="020B0500040200020003" pitchFamily="34" charset="-34"/>
+                <a:cs typeface="TH SarabunPSK" panose="020B0500040200020003" pitchFamily="34" charset="-34"/>
+              </a:rPr>
+              <a:t>โดย ผศ</a:t>
+            </a:r>
+            <a:r>
+              <a:rPr lang="en-US" sz="2400" dirty="0">
+                <a:latin typeface="TH SarabunPSK" panose="020B0500040200020003" pitchFamily="34" charset="-34"/>
+                <a:cs typeface="TH SarabunPSK" panose="020B0500040200020003" pitchFamily="34" charset="-34"/>
+              </a:rPr>
+              <a:t>. </a:t>
+            </a:r>
+            <a:r>
+              <a:rPr lang="th-TH" sz="2400" dirty="0">
+                <a:latin typeface="TH SarabunPSK" panose="020B0500040200020003" pitchFamily="34" charset="-34"/>
+                <a:cs typeface="TH SarabunPSK" panose="020B0500040200020003" pitchFamily="34" charset="-34"/>
+              </a:rPr>
+              <a:t>ดร</a:t>
+            </a:r>
+            <a:r>
+              <a:rPr lang="en-US" sz="2400" dirty="0">
+                <a:latin typeface="TH SarabunPSK" panose="020B0500040200020003" pitchFamily="34" charset="-34"/>
+                <a:cs typeface="TH SarabunPSK" panose="020B0500040200020003" pitchFamily="34" charset="-34"/>
+              </a:rPr>
+              <a:t>.</a:t>
+            </a:r>
+            <a:r>
+              <a:rPr lang="th-TH" sz="2400" dirty="0">
+                <a:latin typeface="TH SarabunPSK" panose="020B0500040200020003" pitchFamily="34" charset="-34"/>
+                <a:cs typeface="TH SarabunPSK" panose="020B0500040200020003" pitchFamily="34" charset="-34"/>
+              </a:rPr>
+              <a:t>ธนพงศ์ อินทระ สาขาวิชาสถิติ มหาวิทยาลัยขอนแก่น </a:t>
+            </a:r>
+          </a:p>
+        </p:txBody>
+      </p:sp>
     </p:spTree>
     <p:extLst>
       <p:ext uri="{BB962C8B-B14F-4D97-AF65-F5344CB8AC3E}">
@@ -17773,6 +18984,73 @@
           </a:xfrm>
         </p:spPr>
       </p:pic>
+      <p:sp>
+        <p:nvSpPr>
+          <p:cNvPr id="9" name="TextBox 8">
+            <a:extLst>
+              <a:ext uri="{FF2B5EF4-FFF2-40B4-BE49-F238E27FC236}">
+                <a16:creationId xmlns:a16="http://schemas.microsoft.com/office/drawing/2014/main" id="{A216F423-BF31-61A6-360F-4A18EE04BC87}"/>
+              </a:ext>
+            </a:extLst>
+          </p:cNvPr>
+          <p:cNvSpPr txBox="1"/>
+          <p:nvPr/>
+        </p:nvSpPr>
+        <p:spPr>
+          <a:xfrm>
+            <a:off x="114677" y="6172611"/>
+            <a:ext cx="5532120" cy="461665"/>
+          </a:xfrm>
+          <a:prstGeom prst="rect">
+            <a:avLst/>
+          </a:prstGeom>
+          <a:noFill/>
+        </p:spPr>
+        <p:txBody>
+          <a:bodyPr wrap="square">
+            <a:spAutoFit/>
+          </a:bodyPr>
+          <a:lstStyle/>
+          <a:p>
+            <a:pPr algn="l"/>
+            <a:r>
+              <a:rPr lang="th-TH" sz="2400" dirty="0">
+                <a:latin typeface="TH SarabunPSK" panose="020B0500040200020003" pitchFamily="34" charset="-34"/>
+                <a:cs typeface="TH SarabunPSK" panose="020B0500040200020003" pitchFamily="34" charset="-34"/>
+              </a:rPr>
+              <a:t>โดย ผศ</a:t>
+            </a:r>
+            <a:r>
+              <a:rPr lang="en-US" sz="2400" dirty="0">
+                <a:latin typeface="TH SarabunPSK" panose="020B0500040200020003" pitchFamily="34" charset="-34"/>
+                <a:cs typeface="TH SarabunPSK" panose="020B0500040200020003" pitchFamily="34" charset="-34"/>
+              </a:rPr>
+              <a:t>. </a:t>
+            </a:r>
+            <a:r>
+              <a:rPr lang="th-TH" sz="2400" dirty="0">
+                <a:latin typeface="TH SarabunPSK" panose="020B0500040200020003" pitchFamily="34" charset="-34"/>
+                <a:cs typeface="TH SarabunPSK" panose="020B0500040200020003" pitchFamily="34" charset="-34"/>
+              </a:rPr>
+              <a:t>ดร</a:t>
+            </a:r>
+            <a:r>
+              <a:rPr lang="en-US" sz="2400" dirty="0">
+                <a:latin typeface="TH SarabunPSK" panose="020B0500040200020003" pitchFamily="34" charset="-34"/>
+                <a:cs typeface="TH SarabunPSK" panose="020B0500040200020003" pitchFamily="34" charset="-34"/>
+              </a:rPr>
+              <a:t>.</a:t>
+            </a:r>
+            <a:r>
+              <a:rPr lang="th-TH" sz="2400" dirty="0">
+                <a:latin typeface="TH SarabunPSK" panose="020B0500040200020003" pitchFamily="34" charset="-34"/>
+                <a:cs typeface="TH SarabunPSK" panose="020B0500040200020003" pitchFamily="34" charset="-34"/>
+              </a:rPr>
+              <a:t>ธนพงศ์ อินทระ สาขาวิชาสถิติ มหาวิทยาลัยขอนแก่น </a:t>
+            </a:r>
+          </a:p>
+        </p:txBody>
+      </p:sp>
     </p:spTree>
     <p:extLst>
       <p:ext uri="{BB962C8B-B14F-4D97-AF65-F5344CB8AC3E}">
@@ -19444,6 +20722,73 @@
                 <a:latin typeface="Courier New" panose="02070309020205020404" pitchFamily="49" charset="0"/>
               </a:rPr>
               <a:t>])</a:t>
+            </a:r>
+          </a:p>
+        </p:txBody>
+      </p:sp>
+      <p:sp>
+        <p:nvSpPr>
+          <p:cNvPr id="9" name="TextBox 8">
+            <a:extLst>
+              <a:ext uri="{FF2B5EF4-FFF2-40B4-BE49-F238E27FC236}">
+                <a16:creationId xmlns:a16="http://schemas.microsoft.com/office/drawing/2014/main" id="{EEAFE586-328F-2A44-7397-BFBAC42E9308}"/>
+              </a:ext>
+            </a:extLst>
+          </p:cNvPr>
+          <p:cNvSpPr txBox="1"/>
+          <p:nvPr/>
+        </p:nvSpPr>
+        <p:spPr>
+          <a:xfrm>
+            <a:off x="114677" y="6172611"/>
+            <a:ext cx="5532120" cy="461665"/>
+          </a:xfrm>
+          <a:prstGeom prst="rect">
+            <a:avLst/>
+          </a:prstGeom>
+          <a:noFill/>
+        </p:spPr>
+        <p:txBody>
+          <a:bodyPr wrap="square">
+            <a:spAutoFit/>
+          </a:bodyPr>
+          <a:lstStyle/>
+          <a:p>
+            <a:pPr algn="l"/>
+            <a:r>
+              <a:rPr lang="th-TH" sz="2400" dirty="0">
+                <a:latin typeface="TH SarabunPSK" panose="020B0500040200020003" pitchFamily="34" charset="-34"/>
+                <a:cs typeface="TH SarabunPSK" panose="020B0500040200020003" pitchFamily="34" charset="-34"/>
+              </a:rPr>
+              <a:t>โดย ผศ</a:t>
+            </a:r>
+            <a:r>
+              <a:rPr lang="en-US" sz="2400" dirty="0">
+                <a:latin typeface="TH SarabunPSK" panose="020B0500040200020003" pitchFamily="34" charset="-34"/>
+                <a:cs typeface="TH SarabunPSK" panose="020B0500040200020003" pitchFamily="34" charset="-34"/>
+              </a:rPr>
+              <a:t>. </a:t>
+            </a:r>
+            <a:r>
+              <a:rPr lang="th-TH" sz="2400" dirty="0">
+                <a:latin typeface="TH SarabunPSK" panose="020B0500040200020003" pitchFamily="34" charset="-34"/>
+                <a:cs typeface="TH SarabunPSK" panose="020B0500040200020003" pitchFamily="34" charset="-34"/>
+              </a:rPr>
+              <a:t>ดร</a:t>
+            </a:r>
+            <a:r>
+              <a:rPr lang="en-US" sz="2400" dirty="0">
+                <a:latin typeface="TH SarabunPSK" panose="020B0500040200020003" pitchFamily="34" charset="-34"/>
+                <a:cs typeface="TH SarabunPSK" panose="020B0500040200020003" pitchFamily="34" charset="-34"/>
+              </a:rPr>
+              <a:t>.</a:t>
+            </a:r>
+            <a:r>
+              <a:rPr lang="th-TH" sz="2400" dirty="0">
+                <a:latin typeface="TH SarabunPSK" panose="020B0500040200020003" pitchFamily="34" charset="-34"/>
+                <a:cs typeface="TH SarabunPSK" panose="020B0500040200020003" pitchFamily="34" charset="-34"/>
+              </a:rPr>
+              <a:t>ธนพงศ์ อินทระ สาขาวิชาสถิติ มหาวิทยาลัยขอนแก่น </a:t>
             </a:r>
           </a:p>
         </p:txBody>
